--- a/宣道詩/(宣道詩178)盡忠為主.pptx
+++ b/宣道詩/(宣道詩178)盡忠為主.pptx
@@ -5,10 +5,15 @@
     <p:sldMasterId id="2147483660" r:id="rId1"/>
   </p:sldMasterIdLst>
   <p:sldIdLst>
-    <p:sldId id="256" r:id="rId2"/>
-    <p:sldId id="258" r:id="rId3"/>
-    <p:sldId id="260" r:id="rId4"/>
-    <p:sldId id="262" r:id="rId5"/>
+    <p:sldId id="263" r:id="rId2"/>
+    <p:sldId id="264" r:id="rId3"/>
+    <p:sldId id="265" r:id="rId4"/>
+    <p:sldId id="266" r:id="rId5"/>
+    <p:sldId id="267" r:id="rId6"/>
+    <p:sldId id="268" r:id="rId7"/>
+    <p:sldId id="269" r:id="rId8"/>
+    <p:sldId id="270" r:id="rId9"/>
+    <p:sldId id="271" r:id="rId10"/>
   </p:sldIdLst>
   <p:sldSz cx="12192000" cy="6858000"/>
   <p:notesSz cx="6858000" cy="9144000"/>
@@ -307,7 +312,7 @@
           <a:p>
             <a:fld id="{411817C7-263D-4E14-81F7-E149B4F2C125}" type="datetimeFigureOut">
               <a:rPr lang="zh-TW" altLang="en-US" smtClean="0"/>
-              <a:t>2019/10/17</a:t>
+              <a:t>2022/5/14</a:t>
             </a:fld>
             <a:endParaRPr lang="zh-TW" altLang="en-US"/>
           </a:p>
@@ -472,7 +477,7 @@
           <a:p>
             <a:fld id="{411817C7-263D-4E14-81F7-E149B4F2C125}" type="datetimeFigureOut">
               <a:rPr lang="zh-TW" altLang="en-US" smtClean="0"/>
-              <a:t>2019/10/17</a:t>
+              <a:t>2022/5/14</a:t>
             </a:fld>
             <a:endParaRPr lang="zh-TW" altLang="en-US"/>
           </a:p>
@@ -647,7 +652,7 @@
           <a:p>
             <a:fld id="{411817C7-263D-4E14-81F7-E149B4F2C125}" type="datetimeFigureOut">
               <a:rPr lang="zh-TW" altLang="en-US" smtClean="0"/>
-              <a:t>2019/10/17</a:t>
+              <a:t>2022/5/14</a:t>
             </a:fld>
             <a:endParaRPr lang="zh-TW" altLang="en-US"/>
           </a:p>
@@ -812,7 +817,7 @@
           <a:p>
             <a:fld id="{411817C7-263D-4E14-81F7-E149B4F2C125}" type="datetimeFigureOut">
               <a:rPr lang="zh-TW" altLang="en-US" smtClean="0"/>
-              <a:t>2019/10/17</a:t>
+              <a:t>2022/5/14</a:t>
             </a:fld>
             <a:endParaRPr lang="zh-TW" altLang="en-US"/>
           </a:p>
@@ -1053,7 +1058,7 @@
           <a:p>
             <a:fld id="{411817C7-263D-4E14-81F7-E149B4F2C125}" type="datetimeFigureOut">
               <a:rPr lang="zh-TW" altLang="en-US" smtClean="0"/>
-              <a:t>2019/10/17</a:t>
+              <a:t>2022/5/14</a:t>
             </a:fld>
             <a:endParaRPr lang="zh-TW" altLang="en-US"/>
           </a:p>
@@ -1336,7 +1341,7 @@
           <a:p>
             <a:fld id="{411817C7-263D-4E14-81F7-E149B4F2C125}" type="datetimeFigureOut">
               <a:rPr lang="zh-TW" altLang="en-US" smtClean="0"/>
-              <a:t>2019/10/17</a:t>
+              <a:t>2022/5/14</a:t>
             </a:fld>
             <a:endParaRPr lang="zh-TW" altLang="en-US"/>
           </a:p>
@@ -1753,7 +1758,7 @@
           <a:p>
             <a:fld id="{411817C7-263D-4E14-81F7-E149B4F2C125}" type="datetimeFigureOut">
               <a:rPr lang="zh-TW" altLang="en-US" smtClean="0"/>
-              <a:t>2019/10/17</a:t>
+              <a:t>2022/5/14</a:t>
             </a:fld>
             <a:endParaRPr lang="zh-TW" altLang="en-US"/>
           </a:p>
@@ -1866,7 +1871,7 @@
           <a:p>
             <a:fld id="{411817C7-263D-4E14-81F7-E149B4F2C125}" type="datetimeFigureOut">
               <a:rPr lang="zh-TW" altLang="en-US" smtClean="0"/>
-              <a:t>2019/10/17</a:t>
+              <a:t>2022/5/14</a:t>
             </a:fld>
             <a:endParaRPr lang="zh-TW" altLang="en-US"/>
           </a:p>
@@ -1956,7 +1961,7 @@
           <a:p>
             <a:fld id="{411817C7-263D-4E14-81F7-E149B4F2C125}" type="datetimeFigureOut">
               <a:rPr lang="zh-TW" altLang="en-US" smtClean="0"/>
-              <a:t>2019/10/17</a:t>
+              <a:t>2022/5/14</a:t>
             </a:fld>
             <a:endParaRPr lang="zh-TW" altLang="en-US"/>
           </a:p>
@@ -2228,7 +2233,7 @@
           <a:p>
             <a:fld id="{411817C7-263D-4E14-81F7-E149B4F2C125}" type="datetimeFigureOut">
               <a:rPr lang="zh-TW" altLang="en-US" smtClean="0"/>
-              <a:t>2019/10/17</a:t>
+              <a:t>2022/5/14</a:t>
             </a:fld>
             <a:endParaRPr lang="zh-TW" altLang="en-US"/>
           </a:p>
@@ -2480,7 +2485,7 @@
           <a:p>
             <a:fld id="{411817C7-263D-4E14-81F7-E149B4F2C125}" type="datetimeFigureOut">
               <a:rPr lang="zh-TW" altLang="en-US" smtClean="0"/>
-              <a:t>2019/10/17</a:t>
+              <a:t>2022/5/14</a:t>
             </a:fld>
             <a:endParaRPr lang="zh-TW" altLang="en-US"/>
           </a:p>
@@ -2693,7 +2698,7 @@
           <a:p>
             <a:fld id="{411817C7-263D-4E14-81F7-E149B4F2C125}" type="datetimeFigureOut">
               <a:rPr lang="zh-TW" altLang="en-US" smtClean="0"/>
-              <a:t>2019/10/17</a:t>
+              <a:t>2022/5/14</a:t>
             </a:fld>
             <a:endParaRPr lang="zh-TW" altLang="en-US"/>
           </a:p>
@@ -3073,40 +3078,10 @@
             <p:ph type="title"/>
           </p:nvPr>
         </p:nvSpPr>
-        <p:spPr/>
-        <p:txBody>
-          <a:bodyPr>
-            <a:normAutofit/>
-          </a:bodyPr>
-          <a:lstStyle/>
-          <a:p>
-            <a:r>
-              <a:rPr lang="zh-TW" altLang="en-US" sz="4800" b="1" dirty="0">
-                <a:solidFill>
-                  <a:srgbClr val="660033"/>
-                </a:solidFill>
-                <a:latin typeface="微軟正黑體" pitchFamily="34" charset="-120"/>
-                <a:ea typeface="微軟正黑體" pitchFamily="34" charset="-120"/>
-              </a:rPr>
-              <a:t>盡忠為主</a:t>
-            </a:r>
-          </a:p>
-        </p:txBody>
-      </p:sp>
-      <p:sp>
-        <p:nvSpPr>
-          <p:cNvPr id="5" name="內容版面配置區 4"/>
-          <p:cNvSpPr>
-            <a:spLocks noGrp="1"/>
-          </p:cNvSpPr>
-          <p:nvPr>
-            <p:ph idx="1"/>
-          </p:nvPr>
-        </p:nvSpPr>
         <p:spPr>
           <a:xfrm>
-            <a:off x="0" y="1600201"/>
-            <a:ext cx="12192000" cy="4525963"/>
+            <a:off x="0" y="2708920"/>
+            <a:ext cx="12192000" cy="1143000"/>
           </a:xfrm>
         </p:spPr>
         <p:txBody>
@@ -3115,295 +3090,144 @@
           </a:bodyPr>
           <a:lstStyle/>
           <a:p>
-            <a:pPr algn="ctr">
-              <a:buNone/>
-            </a:pPr>
-            <a:r>
-              <a:rPr lang="zh-TW" altLang="en-US" sz="6000" b="1" dirty="0">
-                <a:solidFill>
-                  <a:srgbClr val="660033"/>
-                </a:solidFill>
-                <a:latin typeface="微軟正黑體" pitchFamily="34" charset="-120"/>
-                <a:ea typeface="微軟正黑體" pitchFamily="34" charset="-120"/>
-              </a:rPr>
-              <a:t>盡忠盡忠為</a:t>
-            </a:r>
-            <a:r>
-              <a:rPr lang="zh-TW" altLang="en-US" sz="6000" b="1" dirty="0" smtClean="0">
-                <a:solidFill>
-                  <a:srgbClr val="660033"/>
-                </a:solidFill>
-                <a:latin typeface="微軟正黑體" pitchFamily="34" charset="-120"/>
-                <a:ea typeface="微軟正黑體" pitchFamily="34" charset="-120"/>
-              </a:rPr>
-              <a:t>耶穌</a:t>
-            </a:r>
-            <a:r>
-              <a:rPr lang="en-US" altLang="zh-TW" sz="6000" b="1" dirty="0" smtClean="0">
-                <a:solidFill>
-                  <a:srgbClr val="660033"/>
-                </a:solidFill>
-                <a:latin typeface="微軟正黑體" pitchFamily="34" charset="-120"/>
-                <a:ea typeface="微軟正黑體" pitchFamily="34" charset="-120"/>
-              </a:rPr>
-              <a:t>  </a:t>
-            </a:r>
-            <a:r>
-              <a:rPr lang="zh-TW" altLang="en-US" sz="6000" b="1" dirty="0" smtClean="0">
-                <a:solidFill>
-                  <a:srgbClr val="660033"/>
-                </a:solidFill>
-                <a:latin typeface="微軟正黑體" pitchFamily="34" charset="-120"/>
-                <a:ea typeface="微軟正黑體" pitchFamily="34" charset="-120"/>
-              </a:rPr>
-              <a:t>作</a:t>
-            </a:r>
-            <a:r>
-              <a:rPr lang="zh-TW" altLang="en-US" sz="6000" b="1" dirty="0">
-                <a:solidFill>
-                  <a:srgbClr val="660033"/>
-                </a:solidFill>
-                <a:latin typeface="微軟正黑體" pitchFamily="34" charset="-120"/>
-                <a:ea typeface="微軟正黑體" pitchFamily="34" charset="-120"/>
-              </a:rPr>
-              <a:t>十字架</a:t>
-            </a:r>
-            <a:r>
-              <a:rPr lang="zh-TW" altLang="en-US" sz="6000" b="1" dirty="0">
-                <a:solidFill>
-                  <a:srgbClr val="660033"/>
-                </a:solidFill>
-                <a:latin typeface="微軟正黑體" pitchFamily="34" charset="-120"/>
-                <a:ea typeface="微軟正黑體" pitchFamily="34" charset="-120"/>
-              </a:rPr>
-              <a:t>精兵</a:t>
-            </a:r>
-            <a:endParaRPr lang="en-US" altLang="zh-TW" sz="6000" b="1" dirty="0">
-              <a:solidFill>
-                <a:srgbClr val="660033"/>
-              </a:solidFill>
-              <a:latin typeface="微軟正黑體" pitchFamily="34" charset="-120"/>
-              <a:ea typeface="微軟正黑體" pitchFamily="34" charset="-120"/>
-            </a:endParaRPr>
-          </a:p>
-          <a:p>
-            <a:pPr algn="ctr">
-              <a:buNone/>
-            </a:pPr>
-            <a:r>
-              <a:rPr lang="zh-TW" altLang="en-US" sz="6000" b="1" dirty="0">
-                <a:solidFill>
-                  <a:srgbClr val="660033"/>
-                </a:solidFill>
-                <a:latin typeface="微軟正黑體" pitchFamily="34" charset="-120"/>
-                <a:ea typeface="微軟正黑體" pitchFamily="34" charset="-120"/>
-              </a:rPr>
-              <a:t>各</a:t>
-            </a:r>
-            <a:r>
-              <a:rPr lang="zh-TW" altLang="en-US" sz="6000" b="1" dirty="0">
-                <a:solidFill>
-                  <a:srgbClr val="660033"/>
-                </a:solidFill>
-                <a:latin typeface="微軟正黑體" pitchFamily="34" charset="-120"/>
-                <a:ea typeface="微軟正黑體" pitchFamily="34" charset="-120"/>
-              </a:rPr>
-              <a:t>將王旗高</a:t>
-            </a:r>
-            <a:r>
-              <a:rPr lang="zh-TW" altLang="en-US" sz="6000" b="1" dirty="0" smtClean="0">
-                <a:solidFill>
-                  <a:srgbClr val="660033"/>
-                </a:solidFill>
-                <a:latin typeface="微軟正黑體" pitchFamily="34" charset="-120"/>
-                <a:ea typeface="微軟正黑體" pitchFamily="34" charset="-120"/>
-              </a:rPr>
-              <a:t>高舉</a:t>
-            </a:r>
-            <a:r>
-              <a:rPr lang="en-US" altLang="zh-TW" sz="6000" b="1" dirty="0" smtClean="0">
-                <a:solidFill>
-                  <a:srgbClr val="660033"/>
-                </a:solidFill>
-                <a:latin typeface="微軟正黑體" pitchFamily="34" charset="-120"/>
-                <a:ea typeface="微軟正黑體" pitchFamily="34" charset="-120"/>
-              </a:rPr>
-              <a:t>  </a:t>
-            </a:r>
-            <a:r>
-              <a:rPr lang="zh-TW" altLang="en-US" sz="6000" b="1" dirty="0" smtClean="0">
-                <a:solidFill>
-                  <a:srgbClr val="660033"/>
-                </a:solidFill>
-                <a:latin typeface="微軟正黑體" pitchFamily="34" charset="-120"/>
-                <a:ea typeface="微軟正黑體" pitchFamily="34" charset="-120"/>
-              </a:rPr>
-              <a:t>莫</a:t>
-            </a:r>
-            <a:r>
-              <a:rPr lang="zh-TW" altLang="en-US" sz="6000" b="1" dirty="0">
-                <a:solidFill>
-                  <a:srgbClr val="660033"/>
-                </a:solidFill>
-                <a:latin typeface="微軟正黑體" pitchFamily="34" charset="-120"/>
-                <a:ea typeface="微軟正黑體" pitchFamily="34" charset="-120"/>
-              </a:rPr>
-              <a:t>使此旗倒</a:t>
-            </a:r>
-            <a:r>
-              <a:rPr lang="zh-TW" altLang="en-US" sz="6000" b="1" dirty="0" smtClean="0">
-                <a:solidFill>
-                  <a:srgbClr val="660033"/>
-                </a:solidFill>
-                <a:latin typeface="微軟正黑體" pitchFamily="34" charset="-120"/>
-                <a:ea typeface="微軟正黑體" pitchFamily="34" charset="-120"/>
-              </a:rPr>
-              <a:t>傾</a:t>
-            </a:r>
-            <a:endParaRPr lang="en-US" altLang="zh-TW" sz="6000" b="1" dirty="0" smtClean="0">
-              <a:solidFill>
-                <a:srgbClr val="660033"/>
-              </a:solidFill>
-              <a:latin typeface="微軟正黑體" pitchFamily="34" charset="-120"/>
-              <a:ea typeface="微軟正黑體" pitchFamily="34" charset="-120"/>
-            </a:endParaRPr>
-          </a:p>
-          <a:p>
-            <a:pPr algn="ctr">
-              <a:buNone/>
-            </a:pPr>
-            <a:r>
-              <a:rPr lang="zh-TW" altLang="en-US" sz="6000" b="1" dirty="0">
-                <a:solidFill>
-                  <a:srgbClr val="660033"/>
-                </a:solidFill>
-                <a:latin typeface="微軟正黑體" pitchFamily="34" charset="-120"/>
-                <a:ea typeface="微軟正黑體" pitchFamily="34" charset="-120"/>
-              </a:rPr>
-              <a:t>主軍主必親</a:t>
-            </a:r>
-            <a:r>
-              <a:rPr lang="zh-TW" altLang="en-US" sz="6000" b="1" dirty="0" smtClean="0">
-                <a:solidFill>
-                  <a:srgbClr val="660033"/>
-                </a:solidFill>
-                <a:latin typeface="微軟正黑體" pitchFamily="34" charset="-120"/>
-                <a:ea typeface="微軟正黑體" pitchFamily="34" charset="-120"/>
-              </a:rPr>
-              <a:t>統領</a:t>
-            </a:r>
-            <a:r>
-              <a:rPr lang="en-US" altLang="zh-TW" sz="6000" b="1" dirty="0" smtClean="0">
-                <a:solidFill>
-                  <a:srgbClr val="660033"/>
-                </a:solidFill>
-                <a:latin typeface="微軟正黑體" pitchFamily="34" charset="-120"/>
-                <a:ea typeface="微軟正黑體" pitchFamily="34" charset="-120"/>
-              </a:rPr>
-              <a:t>  </a:t>
-            </a:r>
-            <a:r>
-              <a:rPr lang="zh-TW" altLang="en-US" sz="6000" b="1" dirty="0" smtClean="0">
-                <a:solidFill>
-                  <a:srgbClr val="660033"/>
-                </a:solidFill>
-                <a:latin typeface="微軟正黑體" pitchFamily="34" charset="-120"/>
-                <a:ea typeface="微軟正黑體" pitchFamily="34" charset="-120"/>
-              </a:rPr>
-              <a:t>步步</a:t>
-            </a:r>
-            <a:r>
-              <a:rPr lang="zh-TW" altLang="en-US" sz="6000" b="1" dirty="0">
-                <a:solidFill>
-                  <a:srgbClr val="660033"/>
-                </a:solidFill>
-                <a:latin typeface="微軟正黑體" pitchFamily="34" charset="-120"/>
-                <a:ea typeface="微軟正黑體" pitchFamily="34" charset="-120"/>
-              </a:rPr>
-              <a:t>引入勝境</a:t>
-            </a:r>
-            <a:endParaRPr lang="en-US" altLang="zh-TW" sz="6000" b="1" dirty="0">
-              <a:solidFill>
-                <a:srgbClr val="660033"/>
-              </a:solidFill>
-              <a:latin typeface="微軟正黑體" pitchFamily="34" charset="-120"/>
-              <a:ea typeface="微軟正黑體" pitchFamily="34" charset="-120"/>
-            </a:endParaRPr>
-          </a:p>
-          <a:p>
-            <a:pPr algn="ctr">
-              <a:buNone/>
-            </a:pPr>
-            <a:r>
-              <a:rPr lang="zh-TW" altLang="en-US" sz="6000" b="1" dirty="0">
-                <a:solidFill>
-                  <a:srgbClr val="660033"/>
-                </a:solidFill>
-                <a:latin typeface="微軟正黑體" pitchFamily="34" charset="-120"/>
-                <a:ea typeface="微軟正黑體" pitchFamily="34" charset="-120"/>
-              </a:rPr>
-              <a:t>直到仇敵皆敗</a:t>
-            </a:r>
-            <a:r>
-              <a:rPr lang="zh-TW" altLang="en-US" sz="6000" b="1" dirty="0" smtClean="0">
-                <a:solidFill>
-                  <a:srgbClr val="660033"/>
-                </a:solidFill>
-                <a:latin typeface="微軟正黑體" pitchFamily="34" charset="-120"/>
-                <a:ea typeface="微軟正黑體" pitchFamily="34" charset="-120"/>
-              </a:rPr>
-              <a:t>負</a:t>
-            </a:r>
-            <a:r>
-              <a:rPr lang="en-US" altLang="zh-TW" sz="6000" b="1" dirty="0" smtClean="0">
-                <a:solidFill>
-                  <a:srgbClr val="660033"/>
-                </a:solidFill>
-                <a:latin typeface="微軟正黑體" pitchFamily="34" charset="-120"/>
-                <a:ea typeface="微軟正黑體" pitchFamily="34" charset="-120"/>
-              </a:rPr>
-              <a:t>  </a:t>
-            </a:r>
-            <a:r>
-              <a:rPr lang="zh-TW" altLang="en-US" sz="6000" b="1" dirty="0" smtClean="0">
-                <a:solidFill>
-                  <a:srgbClr val="660033"/>
-                </a:solidFill>
-                <a:latin typeface="微軟正黑體" pitchFamily="34" charset="-120"/>
-                <a:ea typeface="微軟正黑體" pitchFamily="34" charset="-120"/>
-              </a:rPr>
-              <a:t>惟有</a:t>
-            </a:r>
-            <a:r>
-              <a:rPr lang="zh-TW" altLang="en-US" sz="6000" b="1" dirty="0">
-                <a:solidFill>
-                  <a:srgbClr val="660033"/>
-                </a:solidFill>
-                <a:latin typeface="微軟正黑體" pitchFamily="34" charset="-120"/>
-                <a:ea typeface="微軟正黑體" pitchFamily="34" charset="-120"/>
-              </a:rPr>
-              <a:t>基督是君</a:t>
-            </a:r>
-          </a:p>
-          <a:p>
-            <a:pPr algn="ctr">
-              <a:buNone/>
-            </a:pPr>
-            <a:endParaRPr lang="zh-TW" altLang="en-US" sz="6000" b="1" dirty="0">
-              <a:solidFill>
-                <a:srgbClr val="660033"/>
-              </a:solidFill>
-              <a:latin typeface="微軟正黑體" pitchFamily="34" charset="-120"/>
-              <a:ea typeface="微軟正黑體" pitchFamily="34" charset="-120"/>
-            </a:endParaRPr>
+            <a:r>
+              <a:rPr lang="zh-CN" altLang="en-US" sz="5333" b="1" u="sng" dirty="0">
+                <a:solidFill>
+                  <a:srgbClr val="000066"/>
+                </a:solidFill>
+                <a:effectLst>
+                  <a:outerShdw blurRad="38100" dist="38100" dir="2700000" algn="tl">
+                    <a:srgbClr val="000000">
+                      <a:alpha val="43137"/>
+                    </a:srgbClr>
+                  </a:outerShdw>
+                </a:effectLst>
+                <a:latin typeface="微軟正黑體" pitchFamily="34" charset="-120"/>
+                <a:ea typeface="微軟正黑體" pitchFamily="34" charset="-120"/>
+              </a:rPr>
+              <a:t>宣道</a:t>
+            </a:r>
+            <a:r>
+              <a:rPr lang="zh-CN" altLang="en-US" sz="5333" b="1" u="sng" dirty="0">
+                <a:solidFill>
+                  <a:srgbClr val="000066"/>
+                </a:solidFill>
+                <a:effectLst>
+                  <a:outerShdw blurRad="38100" dist="38100" dir="2700000" algn="tl">
+                    <a:srgbClr val="000000">
+                      <a:alpha val="43137"/>
+                    </a:srgbClr>
+                  </a:outerShdw>
+                </a:effectLst>
+                <a:latin typeface="微軟正黑體" pitchFamily="34" charset="-120"/>
+                <a:ea typeface="微軟正黑體" pitchFamily="34" charset="-120"/>
+              </a:rPr>
+              <a:t>詩 </a:t>
+            </a:r>
+            <a:r>
+              <a:rPr lang="en-US" altLang="zh-CN" sz="5333" b="1" u="sng" dirty="0">
+                <a:solidFill>
+                  <a:srgbClr val="000066"/>
+                </a:solidFill>
+                <a:effectLst>
+                  <a:outerShdw blurRad="38100" dist="38100" dir="2700000" algn="tl">
+                    <a:srgbClr val="000000">
+                      <a:alpha val="43137"/>
+                    </a:srgbClr>
+                  </a:outerShdw>
+                </a:effectLst>
+                <a:latin typeface="微軟正黑體" pitchFamily="34" charset="-120"/>
+                <a:ea typeface="微軟正黑體" pitchFamily="34" charset="-120"/>
+              </a:rPr>
+              <a:t>178</a:t>
+            </a:r>
+            <a:r>
+              <a:rPr lang="en-US" altLang="zh-CN" sz="7200" b="1" i="1" dirty="0">
+                <a:solidFill>
+                  <a:srgbClr val="000066"/>
+                </a:solidFill>
+                <a:effectLst>
+                  <a:outerShdw blurRad="38100" dist="38100" dir="2700000" algn="tl">
+                    <a:srgbClr val="000000">
+                      <a:alpha val="43137"/>
+                    </a:srgbClr>
+                  </a:outerShdw>
+                </a:effectLst>
+                <a:latin typeface="微軟正黑體" pitchFamily="34" charset="-120"/>
+                <a:ea typeface="微軟正黑體" pitchFamily="34" charset="-120"/>
+              </a:rPr>
+              <a:t/>
+            </a:r>
+            <a:br>
+              <a:rPr lang="en-US" altLang="zh-CN" sz="7200" b="1" i="1" dirty="0">
+                <a:solidFill>
+                  <a:srgbClr val="000066"/>
+                </a:solidFill>
+                <a:effectLst>
+                  <a:outerShdw blurRad="38100" dist="38100" dir="2700000" algn="tl">
+                    <a:srgbClr val="000000">
+                      <a:alpha val="43137"/>
+                    </a:srgbClr>
+                  </a:outerShdw>
+                </a:effectLst>
+                <a:latin typeface="微軟正黑體" pitchFamily="34" charset="-120"/>
+                <a:ea typeface="微軟正黑體" pitchFamily="34" charset="-120"/>
+              </a:rPr>
+            </a:br>
+            <a:r>
+              <a:rPr lang="zh-TW" altLang="en-US" sz="8000" b="1" dirty="0">
+                <a:solidFill>
+                  <a:srgbClr val="660033"/>
+                </a:solidFill>
+                <a:effectLst>
+                  <a:outerShdw blurRad="38100" dist="38100" dir="2700000" algn="tl">
+                    <a:srgbClr val="000000">
+                      <a:alpha val="43137"/>
+                    </a:srgbClr>
+                  </a:outerShdw>
+                </a:effectLst>
+                <a:latin typeface="微軟正黑體" pitchFamily="34" charset="-120"/>
+                <a:ea typeface="微軟正黑體" pitchFamily="34" charset="-120"/>
+              </a:rPr>
+              <a:t>盡</a:t>
+            </a:r>
+            <a:r>
+              <a:rPr lang="zh-TW" altLang="en-US" sz="8000" b="1" dirty="0">
+                <a:solidFill>
+                  <a:srgbClr val="660033"/>
+                </a:solidFill>
+                <a:effectLst>
+                  <a:outerShdw blurRad="38100" dist="38100" dir="2700000" algn="tl">
+                    <a:srgbClr val="000000">
+                      <a:alpha val="43137"/>
+                    </a:srgbClr>
+                  </a:outerShdw>
+                </a:effectLst>
+                <a:latin typeface="微軟正黑體" pitchFamily="34" charset="-120"/>
+                <a:ea typeface="微軟正黑體" pitchFamily="34" charset="-120"/>
+              </a:rPr>
+              <a:t>忠為主</a:t>
+            </a:r>
           </a:p>
         </p:txBody>
       </p:sp>
     </p:spTree>
+    <p:extLst>
+      <p:ext uri="{BB962C8B-B14F-4D97-AF65-F5344CB8AC3E}">
+        <p14:creationId xmlns:p14="http://schemas.microsoft.com/office/powerpoint/2010/main" val="260806241"/>
+      </p:ext>
+    </p:extLst>
   </p:cSld>
   <p:clrMapOvr>
     <a:masterClrMapping/>
   </p:clrMapOvr>
+  <p:timing>
+    <p:tnLst>
+      <p:par>
+        <p:cTn id="1" dur="indefinite" restart="never" nodeType="tmRoot"/>
+      </p:par>
+    </p:tnLst>
+  </p:timing>
 </p:sld>
 </file>
 
@@ -3426,120 +3250,60 @@
       </p:grpSpPr>
       <p:sp>
         <p:nvSpPr>
-          <p:cNvPr id="4" name="標題 3"/>
-          <p:cNvSpPr>
-            <a:spLocks noGrp="1"/>
-          </p:cNvSpPr>
-          <p:nvPr>
-            <p:ph type="title"/>
-          </p:nvPr>
-        </p:nvSpPr>
-        <p:spPr/>
-        <p:txBody>
-          <a:bodyPr>
+          <p:cNvPr id="5" name="內容版面配置區 4"/>
+          <p:cNvSpPr>
+            <a:spLocks noGrp="1"/>
+          </p:cNvSpPr>
+          <p:nvPr>
+            <p:ph idx="1"/>
+          </p:nvPr>
+        </p:nvSpPr>
+        <p:spPr>
+          <a:xfrm>
+            <a:off x="0" y="2084853"/>
+            <a:ext cx="12192000" cy="2404863"/>
+          </a:xfrm>
+        </p:spPr>
+        <p:txBody>
+          <a:bodyPr anchor="ctr">
             <a:normAutofit/>
           </a:bodyPr>
           <a:lstStyle/>
           <a:p>
-            <a:r>
-              <a:rPr lang="zh-TW" altLang="en-US" sz="4800" b="1" dirty="0">
-                <a:solidFill>
-                  <a:srgbClr val="660033"/>
-                </a:solidFill>
-                <a:latin typeface="微軟正黑體" pitchFamily="34" charset="-120"/>
-                <a:ea typeface="微軟正黑體" pitchFamily="34" charset="-120"/>
-              </a:rPr>
-              <a:t>盡忠為主</a:t>
-            </a:r>
-          </a:p>
-        </p:txBody>
-      </p:sp>
-      <p:sp>
-        <p:nvSpPr>
-          <p:cNvPr id="5" name="內容版面配置區 4"/>
-          <p:cNvSpPr>
-            <a:spLocks noGrp="1"/>
-          </p:cNvSpPr>
-          <p:nvPr>
-            <p:ph idx="1"/>
-          </p:nvPr>
-        </p:nvSpPr>
-        <p:spPr>
-          <a:xfrm>
-            <a:off x="0" y="1600201"/>
-            <a:ext cx="12192000" cy="4525963"/>
-          </a:xfrm>
-        </p:spPr>
-        <p:txBody>
-          <a:bodyPr>
-            <a:noAutofit/>
-          </a:bodyPr>
-          <a:lstStyle/>
-          <a:p>
             <a:pPr algn="ctr">
               <a:buNone/>
             </a:pPr>
             <a:r>
-              <a:rPr lang="zh-TW" altLang="en-US" sz="6000" b="1" dirty="0">
-                <a:solidFill>
-                  <a:srgbClr val="660033"/>
-                </a:solidFill>
-                <a:latin typeface="微軟正黑體" pitchFamily="34" charset="-120"/>
-                <a:ea typeface="微軟正黑體" pitchFamily="34" charset="-120"/>
-              </a:rPr>
-              <a:t>盡忠盡忠為</a:t>
-            </a:r>
-            <a:r>
-              <a:rPr lang="zh-TW" altLang="en-US" sz="6000" b="1" dirty="0" smtClean="0">
-                <a:solidFill>
-                  <a:srgbClr val="660033"/>
-                </a:solidFill>
-                <a:latin typeface="微軟正黑體" pitchFamily="34" charset="-120"/>
-                <a:ea typeface="微軟正黑體" pitchFamily="34" charset="-120"/>
-              </a:rPr>
-              <a:t>耶穌</a:t>
-            </a:r>
-            <a:r>
-              <a:rPr lang="en-US" altLang="zh-TW" sz="6000" b="1" dirty="0">
-                <a:solidFill>
-                  <a:srgbClr val="660033"/>
-                </a:solidFill>
-                <a:latin typeface="微軟正黑體" pitchFamily="34" charset="-120"/>
-                <a:ea typeface="微軟正黑體" pitchFamily="34" charset="-120"/>
-              </a:rPr>
-              <a:t> </a:t>
-            </a:r>
-            <a:r>
-              <a:rPr lang="en-US" altLang="zh-TW" sz="6000" b="1" dirty="0" smtClean="0">
-                <a:solidFill>
-                  <a:srgbClr val="660033"/>
-                </a:solidFill>
-                <a:latin typeface="微軟正黑體" pitchFamily="34" charset="-120"/>
-                <a:ea typeface="微軟正黑體" pitchFamily="34" charset="-120"/>
-              </a:rPr>
-              <a:t> </a:t>
-            </a:r>
-            <a:r>
-              <a:rPr lang="zh-TW" altLang="en-US" sz="6000" b="1" dirty="0" smtClean="0">
-                <a:solidFill>
-                  <a:srgbClr val="660033"/>
-                </a:solidFill>
-                <a:latin typeface="微軟正黑體" pitchFamily="34" charset="-120"/>
-                <a:ea typeface="微軟正黑體" pitchFamily="34" charset="-120"/>
-              </a:rPr>
-              <a:t>號令</a:t>
-            </a:r>
-            <a:r>
-              <a:rPr lang="zh-TW" altLang="en-US" sz="6000" b="1" dirty="0">
-                <a:solidFill>
-                  <a:srgbClr val="660033"/>
-                </a:solidFill>
-                <a:latin typeface="微軟正黑體" pitchFamily="34" charset="-120"/>
-                <a:ea typeface="微軟正黑體" pitchFamily="34" charset="-120"/>
-              </a:rPr>
-              <a:t>仍是服從</a:t>
-            </a:r>
-            <a:endParaRPr lang="en-US" altLang="zh-TW" sz="6000" b="1" dirty="0">
+              <a:rPr lang="zh-TW" altLang="en-US" sz="6400" b="1" dirty="0">
+                <a:solidFill>
+                  <a:srgbClr val="660033"/>
+                </a:solidFill>
+                <a:latin typeface="微軟正黑體" pitchFamily="34" charset="-120"/>
+                <a:ea typeface="微軟正黑體" pitchFamily="34" charset="-120"/>
+              </a:rPr>
+              <a:t>盡忠盡忠為耶穌</a:t>
+            </a:r>
+            <a:r>
+              <a:rPr lang="en-US" altLang="zh-TW" sz="6400" b="1" dirty="0">
+                <a:solidFill>
+                  <a:srgbClr val="660033"/>
+                </a:solidFill>
+                <a:latin typeface="微軟正黑體" pitchFamily="34" charset="-120"/>
+                <a:ea typeface="微軟正黑體" pitchFamily="34" charset="-120"/>
+              </a:rPr>
+              <a:t>   </a:t>
+            </a:r>
+            <a:r>
+              <a:rPr lang="zh-TW" altLang="en-US" sz="6400" b="1" dirty="0">
+                <a:solidFill>
+                  <a:srgbClr val="660033"/>
+                </a:solidFill>
+                <a:latin typeface="微軟正黑體" pitchFamily="34" charset="-120"/>
+                <a:ea typeface="微軟正黑體" pitchFamily="34" charset="-120"/>
+              </a:rPr>
+              <a:t>作十字架精兵</a:t>
+            </a:r>
+            <a:endParaRPr lang="en-US" altLang="zh-TW" sz="6400" b="1" dirty="0">
               <a:solidFill>
                 <a:srgbClr val="660033"/>
               </a:solidFill>
@@ -3552,219 +3316,122 @@
               <a:buNone/>
             </a:pPr>
             <a:r>
-              <a:rPr lang="zh-TW" altLang="en-US" sz="6000" b="1" dirty="0">
-                <a:solidFill>
-                  <a:srgbClr val="660033"/>
-                </a:solidFill>
-                <a:latin typeface="微軟正黑體" pitchFamily="34" charset="-120"/>
-                <a:ea typeface="微軟正黑體" pitchFamily="34" charset="-120"/>
-              </a:rPr>
-              <a:t>勇往直臨大</a:t>
-            </a:r>
-            <a:r>
-              <a:rPr lang="zh-TW" altLang="en-US" sz="6000" b="1" dirty="0" smtClean="0">
-                <a:solidFill>
-                  <a:srgbClr val="660033"/>
-                </a:solidFill>
-                <a:latin typeface="微軟正黑體" pitchFamily="34" charset="-120"/>
-                <a:ea typeface="微軟正黑體" pitchFamily="34" charset="-120"/>
-              </a:rPr>
-              <a:t>戰場</a:t>
-            </a:r>
-            <a:r>
-              <a:rPr lang="en-US" altLang="zh-TW" sz="6000" b="1" dirty="0">
-                <a:solidFill>
-                  <a:srgbClr val="660033"/>
-                </a:solidFill>
-                <a:latin typeface="微軟正黑體" pitchFamily="34" charset="-120"/>
-                <a:ea typeface="微軟正黑體" pitchFamily="34" charset="-120"/>
-              </a:rPr>
-              <a:t> </a:t>
-            </a:r>
-            <a:r>
-              <a:rPr lang="en-US" altLang="zh-TW" sz="6000" b="1" dirty="0" smtClean="0">
-                <a:solidFill>
-                  <a:srgbClr val="660033"/>
-                </a:solidFill>
-                <a:latin typeface="微軟正黑體" pitchFamily="34" charset="-120"/>
-                <a:ea typeface="微軟正黑體" pitchFamily="34" charset="-120"/>
-              </a:rPr>
-              <a:t> </a:t>
-            </a:r>
-            <a:r>
-              <a:rPr lang="zh-TW" altLang="en-US" sz="6000" b="1" dirty="0" smtClean="0">
-                <a:solidFill>
-                  <a:srgbClr val="660033"/>
-                </a:solidFill>
-                <a:latin typeface="微軟正黑體" pitchFamily="34" charset="-120"/>
-                <a:ea typeface="微軟正黑體" pitchFamily="34" charset="-120"/>
-              </a:rPr>
-              <a:t>在此</a:t>
-            </a:r>
-            <a:r>
-              <a:rPr lang="zh-TW" altLang="en-US" sz="6000" b="1" dirty="0">
-                <a:solidFill>
-                  <a:srgbClr val="660033"/>
-                </a:solidFill>
-                <a:latin typeface="微軟正黑體" pitchFamily="34" charset="-120"/>
-                <a:ea typeface="微軟正黑體" pitchFamily="34" charset="-120"/>
-              </a:rPr>
-              <a:t>主榮</a:t>
-            </a:r>
-            <a:r>
-              <a:rPr lang="zh-TW" altLang="en-US" sz="6000" b="1" dirty="0" smtClean="0">
-                <a:solidFill>
-                  <a:srgbClr val="660033"/>
-                </a:solidFill>
-                <a:latin typeface="微軟正黑體" pitchFamily="34" charset="-120"/>
-                <a:ea typeface="微軟正黑體" pitchFamily="34" charset="-120"/>
-              </a:rPr>
-              <a:t>日中</a:t>
-            </a:r>
-            <a:endParaRPr lang="en-US" altLang="zh-TW" sz="6000" b="1" dirty="0" smtClean="0">
+              <a:rPr lang="zh-TW" altLang="en-US" sz="6400" b="1" dirty="0">
+                <a:solidFill>
+                  <a:srgbClr val="660033"/>
+                </a:solidFill>
+                <a:latin typeface="微軟正黑體" pitchFamily="34" charset="-120"/>
+                <a:ea typeface="微軟正黑體" pitchFamily="34" charset="-120"/>
+              </a:rPr>
+              <a:t>各將王旗高高舉</a:t>
+            </a:r>
+            <a:r>
+              <a:rPr lang="en-US" altLang="zh-TW" sz="6400" b="1" dirty="0">
+                <a:solidFill>
+                  <a:srgbClr val="660033"/>
+                </a:solidFill>
+                <a:latin typeface="微軟正黑體" pitchFamily="34" charset="-120"/>
+                <a:ea typeface="微軟正黑體" pitchFamily="34" charset="-120"/>
+              </a:rPr>
+              <a:t>   </a:t>
+            </a:r>
+            <a:r>
+              <a:rPr lang="zh-TW" altLang="en-US" sz="6400" b="1" dirty="0">
+                <a:solidFill>
+                  <a:srgbClr val="660033"/>
+                </a:solidFill>
+                <a:latin typeface="微軟正黑體" pitchFamily="34" charset="-120"/>
+                <a:ea typeface="微軟正黑體" pitchFamily="34" charset="-120"/>
+              </a:rPr>
+              <a:t>莫使此旗倒傾</a:t>
+            </a:r>
+            <a:endParaRPr lang="en-US" altLang="zh-TW" sz="6400" b="1" dirty="0">
               <a:solidFill>
                 <a:srgbClr val="660033"/>
               </a:solidFill>
-              <a:latin typeface="微軟正黑體" pitchFamily="34" charset="-120"/>
-              <a:ea typeface="微軟正黑體" pitchFamily="34" charset="-120"/>
+              <a:effectLst/>
+              <a:latin typeface="Microsoft JhengHei" pitchFamily="34" charset="-120"/>
+              <a:ea typeface="Microsoft JhengHei" pitchFamily="34" charset="-120"/>
             </a:endParaRPr>
           </a:p>
-          <a:p>
-            <a:pPr algn="ctr">
-              <a:buNone/>
-            </a:pPr>
-            <a:r>
-              <a:rPr lang="zh-TW" altLang="en-US" sz="6000" b="1" dirty="0">
-                <a:solidFill>
-                  <a:srgbClr val="660033"/>
-                </a:solidFill>
-                <a:latin typeface="微軟正黑體" pitchFamily="34" charset="-120"/>
-                <a:ea typeface="微軟正黑體" pitchFamily="34" charset="-120"/>
-              </a:rPr>
-              <a:t>既為精兵必忠</a:t>
-            </a:r>
-            <a:r>
-              <a:rPr lang="zh-TW" altLang="en-US" sz="6000" b="1" dirty="0" smtClean="0">
-                <a:solidFill>
-                  <a:srgbClr val="660033"/>
-                </a:solidFill>
-                <a:latin typeface="微軟正黑體" pitchFamily="34" charset="-120"/>
-                <a:ea typeface="微軟正黑體" pitchFamily="34" charset="-120"/>
-              </a:rPr>
-              <a:t>主</a:t>
-            </a:r>
-            <a:r>
-              <a:rPr lang="en-US" altLang="zh-TW" sz="6000" b="1" dirty="0" smtClean="0">
-                <a:solidFill>
-                  <a:srgbClr val="660033"/>
-                </a:solidFill>
-                <a:latin typeface="微軟正黑體" pitchFamily="34" charset="-120"/>
-                <a:ea typeface="微軟正黑體" pitchFamily="34" charset="-120"/>
-              </a:rPr>
-              <a:t>  </a:t>
-            </a:r>
-            <a:r>
-              <a:rPr lang="zh-TW" altLang="en-US" sz="6000" b="1" dirty="0" smtClean="0">
-                <a:solidFill>
-                  <a:srgbClr val="660033"/>
-                </a:solidFill>
-                <a:latin typeface="微軟正黑體" pitchFamily="34" charset="-120"/>
-                <a:ea typeface="微軟正黑體" pitchFamily="34" charset="-120"/>
-              </a:rPr>
-              <a:t>奮</a:t>
-            </a:r>
-            <a:r>
-              <a:rPr lang="zh-TW" altLang="en-US" sz="6000" b="1" dirty="0">
-                <a:solidFill>
-                  <a:srgbClr val="660033"/>
-                </a:solidFill>
-                <a:latin typeface="微軟正黑體" pitchFamily="34" charset="-120"/>
-                <a:ea typeface="微軟正黑體" pitchFamily="34" charset="-120"/>
-              </a:rPr>
-              <a:t>抵無數仇敵</a:t>
-            </a:r>
-            <a:endParaRPr lang="en-US" altLang="zh-TW" sz="6000" b="1" dirty="0">
+        </p:txBody>
+      </p:sp>
+      <p:sp>
+        <p:nvSpPr>
+          <p:cNvPr id="4" name="TextBox 3"/>
+          <p:cNvSpPr txBox="1"/>
+          <p:nvPr/>
+        </p:nvSpPr>
+        <p:spPr>
+          <a:xfrm>
+            <a:off x="-11404" y="5229201"/>
+            <a:ext cx="12202941" cy="830997"/>
+          </a:xfrm>
+          <a:prstGeom prst="rect">
+            <a:avLst/>
+          </a:prstGeom>
+          <a:noFill/>
+        </p:spPr>
+        <p:txBody>
+          <a:bodyPr wrap="square" rtlCol="0" anchor="ctr">
+            <a:spAutoFit/>
+          </a:bodyPr>
+          <a:lstStyle/>
+          <a:p>
+            <a:pPr algn="ctr"/>
+            <a:r>
+              <a:rPr lang="en-US" sz="4800" b="1" dirty="0">
+                <a:solidFill>
+                  <a:srgbClr val="660033"/>
+                </a:solidFill>
+                <a:effectLst/>
+              </a:rPr>
+              <a:t>( </a:t>
+            </a:r>
+            <a:r>
+              <a:rPr lang="en-US" sz="4800" b="1" dirty="0">
+                <a:solidFill>
+                  <a:srgbClr val="660033"/>
+                </a:solidFill>
+                <a:effectLst/>
+              </a:rPr>
+              <a:t>1 / 4 </a:t>
+            </a:r>
+            <a:r>
+              <a:rPr lang="en-US" sz="4800" b="1" dirty="0">
+                <a:solidFill>
+                  <a:srgbClr val="660033"/>
+                </a:solidFill>
+                <a:effectLst/>
+              </a:rPr>
+              <a:t>)</a:t>
+            </a:r>
+            <a:endParaRPr lang="vi-VN" sz="4800" b="1" dirty="0">
               <a:solidFill>
                 <a:srgbClr val="660033"/>
               </a:solidFill>
-              <a:latin typeface="微軟正黑體" pitchFamily="34" charset="-120"/>
-              <a:ea typeface="微軟正黑體" pitchFamily="34" charset="-120"/>
+              <a:effectLst/>
             </a:endParaRPr>
           </a:p>
-          <a:p>
-            <a:pPr algn="ctr">
-              <a:buNone/>
-            </a:pPr>
-            <a:r>
-              <a:rPr lang="zh-TW" altLang="en-US" sz="6000" b="1" dirty="0">
-                <a:solidFill>
-                  <a:srgbClr val="660033"/>
-                </a:solidFill>
-                <a:latin typeface="微軟正黑體" pitchFamily="34" charset="-120"/>
-                <a:ea typeface="微軟正黑體" pitchFamily="34" charset="-120"/>
-              </a:rPr>
-              <a:t>豪膽因險更</a:t>
-            </a:r>
-            <a:r>
-              <a:rPr lang="zh-TW" altLang="en-US" sz="6000" b="1" dirty="0" smtClean="0">
-                <a:solidFill>
-                  <a:srgbClr val="660033"/>
-                </a:solidFill>
-                <a:latin typeface="微軟正黑體" pitchFamily="34" charset="-120"/>
-                <a:ea typeface="微軟正黑體" pitchFamily="34" charset="-120"/>
-              </a:rPr>
-              <a:t>增長</a:t>
-            </a:r>
-            <a:r>
-              <a:rPr lang="en-US" altLang="zh-TW" sz="6000" b="1" dirty="0" smtClean="0">
-                <a:solidFill>
-                  <a:srgbClr val="660033"/>
-                </a:solidFill>
-                <a:latin typeface="微軟正黑體" pitchFamily="34" charset="-120"/>
-                <a:ea typeface="微軟正黑體" pitchFamily="34" charset="-120"/>
-              </a:rPr>
-              <a:t>  </a:t>
-            </a:r>
-            <a:r>
-              <a:rPr lang="zh-TW" altLang="en-US" sz="6000" b="1" dirty="0" smtClean="0">
-                <a:solidFill>
-                  <a:srgbClr val="660033"/>
-                </a:solidFill>
-                <a:latin typeface="微軟正黑體" pitchFamily="34" charset="-120"/>
-                <a:ea typeface="微軟正黑體" pitchFamily="34" charset="-120"/>
-              </a:rPr>
-              <a:t>戰力</a:t>
-            </a:r>
-            <a:r>
-              <a:rPr lang="zh-TW" altLang="en-US" sz="6000" b="1" dirty="0">
-                <a:solidFill>
-                  <a:srgbClr val="660033"/>
-                </a:solidFill>
-                <a:latin typeface="微軟正黑體" pitchFamily="34" charset="-120"/>
-                <a:ea typeface="微軟正黑體" pitchFamily="34" charset="-120"/>
-              </a:rPr>
-              <a:t>遇敵更益</a:t>
-            </a:r>
-          </a:p>
-          <a:p>
-            <a:pPr algn="ctr">
-              <a:buNone/>
-            </a:pPr>
-            <a:endParaRPr lang="zh-TW" altLang="en-US" sz="6000" b="1" dirty="0">
-              <a:solidFill>
-                <a:srgbClr val="660033"/>
-              </a:solidFill>
-              <a:latin typeface="微軟正黑體" pitchFamily="34" charset="-120"/>
-              <a:ea typeface="微軟正黑體" pitchFamily="34" charset="-120"/>
-            </a:endParaRPr>
-          </a:p>
         </p:txBody>
       </p:sp>
     </p:spTree>
+    <p:extLst>
+      <p:ext uri="{BB962C8B-B14F-4D97-AF65-F5344CB8AC3E}">
+        <p14:creationId xmlns:p14="http://schemas.microsoft.com/office/powerpoint/2010/main" val="1563584216"/>
+      </p:ext>
+    </p:extLst>
   </p:cSld>
   <p:clrMapOvr>
     <a:masterClrMapping/>
   </p:clrMapOvr>
+  <p:timing>
+    <p:tnLst>
+      <p:par>
+        <p:cTn id="1" dur="indefinite" restart="never" nodeType="tmRoot"/>
+      </p:par>
+    </p:tnLst>
+  </p:timing>
 </p:sld>
 </file>
 
@@ -3787,110 +3454,60 @@
       </p:grpSpPr>
       <p:sp>
         <p:nvSpPr>
-          <p:cNvPr id="4" name="標題 3"/>
-          <p:cNvSpPr>
-            <a:spLocks noGrp="1"/>
-          </p:cNvSpPr>
-          <p:nvPr>
-            <p:ph type="title"/>
-          </p:nvPr>
-        </p:nvSpPr>
-        <p:spPr/>
-        <p:txBody>
-          <a:bodyPr>
+          <p:cNvPr id="5" name="內容版面配置區 4"/>
+          <p:cNvSpPr>
+            <a:spLocks noGrp="1"/>
+          </p:cNvSpPr>
+          <p:nvPr>
+            <p:ph idx="1"/>
+          </p:nvPr>
+        </p:nvSpPr>
+        <p:spPr>
+          <a:xfrm>
+            <a:off x="0" y="2084853"/>
+            <a:ext cx="12192000" cy="2404863"/>
+          </a:xfrm>
+        </p:spPr>
+        <p:txBody>
+          <a:bodyPr anchor="ctr">
             <a:normAutofit/>
           </a:bodyPr>
           <a:lstStyle/>
           <a:p>
-            <a:r>
-              <a:rPr lang="zh-TW" altLang="en-US" sz="4800" b="1" dirty="0">
-                <a:solidFill>
-                  <a:srgbClr val="660033"/>
-                </a:solidFill>
-                <a:latin typeface="微軟正黑體" pitchFamily="34" charset="-120"/>
-                <a:ea typeface="微軟正黑體" pitchFamily="34" charset="-120"/>
-              </a:rPr>
-              <a:t>盡忠為主</a:t>
-            </a:r>
-          </a:p>
-        </p:txBody>
-      </p:sp>
-      <p:sp>
-        <p:nvSpPr>
-          <p:cNvPr id="5" name="內容版面配置區 4"/>
-          <p:cNvSpPr>
-            <a:spLocks noGrp="1"/>
-          </p:cNvSpPr>
-          <p:nvPr>
-            <p:ph idx="1"/>
-          </p:nvPr>
-        </p:nvSpPr>
-        <p:spPr>
-          <a:xfrm>
-            <a:off x="0" y="1600201"/>
-            <a:ext cx="12192000" cy="4525963"/>
-          </a:xfrm>
-        </p:spPr>
-        <p:txBody>
-          <a:bodyPr>
-            <a:noAutofit/>
-          </a:bodyPr>
-          <a:lstStyle/>
-          <a:p>
             <a:pPr algn="ctr">
               <a:buNone/>
             </a:pPr>
             <a:r>
-              <a:rPr lang="zh-TW" altLang="en-US" sz="6000" b="1" dirty="0">
-                <a:solidFill>
-                  <a:srgbClr val="660033"/>
-                </a:solidFill>
-                <a:latin typeface="微軟正黑體" pitchFamily="34" charset="-120"/>
-                <a:ea typeface="微軟正黑體" pitchFamily="34" charset="-120"/>
-              </a:rPr>
-              <a:t>盡忠盡忠為</a:t>
-            </a:r>
-            <a:r>
-              <a:rPr lang="zh-TW" altLang="en-US" sz="6000" b="1" dirty="0" smtClean="0">
-                <a:solidFill>
-                  <a:srgbClr val="660033"/>
-                </a:solidFill>
-                <a:latin typeface="微軟正黑體" pitchFamily="34" charset="-120"/>
-                <a:ea typeface="微軟正黑體" pitchFamily="34" charset="-120"/>
-              </a:rPr>
-              <a:t>耶穌</a:t>
-            </a:r>
-            <a:r>
-              <a:rPr lang="en-US" altLang="zh-TW" sz="6000" b="1" dirty="0">
-                <a:solidFill>
-                  <a:srgbClr val="660033"/>
-                </a:solidFill>
-                <a:latin typeface="微軟正黑體" pitchFamily="34" charset="-120"/>
-                <a:ea typeface="微軟正黑體" pitchFamily="34" charset="-120"/>
-              </a:rPr>
-              <a:t> </a:t>
-            </a:r>
-            <a:r>
-              <a:rPr lang="en-US" altLang="zh-TW" sz="6000" b="1" dirty="0" smtClean="0">
-                <a:solidFill>
-                  <a:srgbClr val="660033"/>
-                </a:solidFill>
-                <a:latin typeface="微軟正黑體" pitchFamily="34" charset="-120"/>
-                <a:ea typeface="微軟正黑體" pitchFamily="34" charset="-120"/>
-              </a:rPr>
-              <a:t> </a:t>
-            </a:r>
-            <a:r>
-              <a:rPr lang="zh-TW" altLang="en-US" sz="6000" b="1" dirty="0" smtClean="0">
-                <a:solidFill>
-                  <a:srgbClr val="660033"/>
-                </a:solidFill>
-                <a:latin typeface="微軟正黑體" pitchFamily="34" charset="-120"/>
-                <a:ea typeface="微軟正黑體" pitchFamily="34" charset="-120"/>
-              </a:rPr>
-              <a:t>作戰單賴主力</a:t>
-            </a:r>
-            <a:endParaRPr lang="en-US" altLang="zh-TW" sz="6000" b="1" dirty="0" smtClean="0">
+              <a:rPr lang="zh-TW" altLang="en-US" sz="6400" b="1" dirty="0">
+                <a:solidFill>
+                  <a:srgbClr val="660033"/>
+                </a:solidFill>
+                <a:latin typeface="微軟正黑體" pitchFamily="34" charset="-120"/>
+                <a:ea typeface="微軟正黑體" pitchFamily="34" charset="-120"/>
+              </a:rPr>
+              <a:t>主軍主必親統領</a:t>
+            </a:r>
+            <a:r>
+              <a:rPr lang="en-US" altLang="zh-TW" sz="6400" b="1" dirty="0">
+                <a:solidFill>
+                  <a:srgbClr val="660033"/>
+                </a:solidFill>
+                <a:latin typeface="微軟正黑體" pitchFamily="34" charset="-120"/>
+                <a:ea typeface="微軟正黑體" pitchFamily="34" charset="-120"/>
+              </a:rPr>
+              <a:t>   </a:t>
+            </a:r>
+            <a:r>
+              <a:rPr lang="zh-TW" altLang="en-US" sz="6400" b="1" dirty="0">
+                <a:solidFill>
+                  <a:srgbClr val="660033"/>
+                </a:solidFill>
+                <a:latin typeface="微軟正黑體" pitchFamily="34" charset="-120"/>
+                <a:ea typeface="微軟正黑體" pitchFamily="34" charset="-120"/>
+              </a:rPr>
+              <a:t>步步引入勝境</a:t>
+            </a:r>
+            <a:endParaRPr lang="en-US" altLang="zh-TW" sz="6400" b="1" dirty="0">
               <a:solidFill>
                 <a:srgbClr val="660033"/>
               </a:solidFill>
@@ -3903,86 +3520,36 @@
               <a:buNone/>
             </a:pPr>
             <a:r>
-              <a:rPr lang="zh-TW" altLang="en-US" sz="6000" b="1" dirty="0" smtClean="0">
-                <a:solidFill>
-                  <a:srgbClr val="660033"/>
-                </a:solidFill>
-                <a:latin typeface="微軟正黑體" pitchFamily="34" charset="-120"/>
-                <a:ea typeface="微軟正黑體" pitchFamily="34" charset="-120"/>
-              </a:rPr>
-              <a:t>肉體</a:t>
-            </a:r>
-            <a:r>
-              <a:rPr lang="zh-TW" altLang="en-US" sz="6000" b="1" dirty="0">
-                <a:solidFill>
-                  <a:srgbClr val="660033"/>
-                </a:solidFill>
-                <a:latin typeface="微軟正黑體" pitchFamily="34" charset="-120"/>
-                <a:ea typeface="微軟正黑體" pitchFamily="34" charset="-120"/>
-              </a:rPr>
-              <a:t>武器必退</a:t>
-            </a:r>
-            <a:r>
-              <a:rPr lang="zh-TW" altLang="en-US" sz="6000" b="1" dirty="0" smtClean="0">
-                <a:solidFill>
-                  <a:srgbClr val="660033"/>
-                </a:solidFill>
-                <a:latin typeface="微軟正黑體" pitchFamily="34" charset="-120"/>
-                <a:ea typeface="微軟正黑體" pitchFamily="34" charset="-120"/>
-              </a:rPr>
-              <a:t>敗</a:t>
-            </a:r>
-            <a:r>
-              <a:rPr lang="en-US" altLang="zh-TW" sz="6000" b="1" dirty="0">
-                <a:solidFill>
-                  <a:srgbClr val="660033"/>
-                </a:solidFill>
-                <a:latin typeface="微軟正黑體" pitchFamily="34" charset="-120"/>
-                <a:ea typeface="微軟正黑體" pitchFamily="34" charset="-120"/>
-              </a:rPr>
-              <a:t> </a:t>
-            </a:r>
-            <a:r>
-              <a:rPr lang="en-US" altLang="zh-TW" sz="6000" b="1" dirty="0" smtClean="0">
-                <a:solidFill>
-                  <a:srgbClr val="660033"/>
-                </a:solidFill>
-                <a:latin typeface="微軟正黑體" pitchFamily="34" charset="-120"/>
-                <a:ea typeface="微軟正黑體" pitchFamily="34" charset="-120"/>
-              </a:rPr>
-              <a:t> </a:t>
-            </a:r>
-            <a:r>
-              <a:rPr lang="zh-TW" altLang="en-US" sz="6000" b="1" dirty="0" smtClean="0">
-                <a:solidFill>
-                  <a:srgbClr val="660033"/>
-                </a:solidFill>
-                <a:latin typeface="微軟正黑體" pitchFamily="34" charset="-120"/>
-                <a:ea typeface="微軟正黑體" pitchFamily="34" charset="-120"/>
-              </a:rPr>
-              <a:t>不敢</a:t>
-            </a:r>
-            <a:r>
-              <a:rPr lang="zh-TW" altLang="en-US" sz="6000" b="1" dirty="0">
-                <a:solidFill>
-                  <a:srgbClr val="660033"/>
-                </a:solidFill>
-                <a:latin typeface="微軟正黑體" pitchFamily="34" charset="-120"/>
-                <a:ea typeface="微軟正黑體" pitchFamily="34" charset="-120"/>
-              </a:rPr>
-              <a:t>恃靠</a:t>
-            </a:r>
-            <a:r>
-              <a:rPr lang="zh-TW" altLang="en-US" sz="6000" b="1" dirty="0" smtClean="0">
-                <a:solidFill>
-                  <a:srgbClr val="660033"/>
-                </a:solidFill>
-                <a:latin typeface="微軟正黑體" pitchFamily="34" charset="-120"/>
-                <a:ea typeface="微軟正黑體" pitchFamily="34" charset="-120"/>
-              </a:rPr>
-              <a:t>自己</a:t>
-            </a:r>
-            <a:endParaRPr lang="en-US" altLang="zh-TW" sz="6000" b="1" dirty="0" smtClean="0">
+              <a:rPr lang="zh-TW" altLang="en-US" sz="6400" b="1" dirty="0">
+                <a:solidFill>
+                  <a:srgbClr val="660033"/>
+                </a:solidFill>
+                <a:latin typeface="微軟正黑體" pitchFamily="34" charset="-120"/>
+                <a:ea typeface="微軟正黑體" pitchFamily="34" charset="-120"/>
+              </a:rPr>
+              <a:t>直到仇敵皆敗負</a:t>
+            </a:r>
+            <a:r>
+              <a:rPr lang="en-US" altLang="zh-TW" sz="6400" b="1" dirty="0">
+                <a:solidFill>
+                  <a:srgbClr val="660033"/>
+                </a:solidFill>
+                <a:latin typeface="微軟正黑體" pitchFamily="34" charset="-120"/>
+                <a:ea typeface="微軟正黑體" pitchFamily="34" charset="-120"/>
+              </a:rPr>
+              <a:t>   </a:t>
+            </a:r>
+            <a:r>
+              <a:rPr lang="zh-TW" altLang="en-US" sz="6400" b="1" dirty="0">
+                <a:solidFill>
+                  <a:srgbClr val="660033"/>
+                </a:solidFill>
+                <a:latin typeface="微軟正黑體" pitchFamily="34" charset="-120"/>
+                <a:ea typeface="微軟正黑體" pitchFamily="34" charset="-120"/>
+              </a:rPr>
+              <a:t>惟有基督是君</a:t>
+            </a:r>
+            <a:endParaRPr lang="zh-TW" altLang="en-US" sz="6400" b="1" dirty="0">
               <a:solidFill>
                 <a:srgbClr val="660033"/>
               </a:solidFill>
@@ -3990,142 +3557,84 @@
               <a:ea typeface="微軟正黑體" pitchFamily="34" charset="-120"/>
             </a:endParaRPr>
           </a:p>
-          <a:p>
-            <a:pPr algn="ctr">
-              <a:buNone/>
-            </a:pPr>
-            <a:r>
-              <a:rPr lang="zh-TW" altLang="en-US" sz="6000" b="1" dirty="0">
-                <a:solidFill>
-                  <a:srgbClr val="660033"/>
-                </a:solidFill>
-                <a:latin typeface="微軟正黑體" pitchFamily="34" charset="-120"/>
-                <a:ea typeface="微軟正黑體" pitchFamily="34" charset="-120"/>
-              </a:rPr>
-              <a:t>信徒盔甲該</a:t>
-            </a:r>
-            <a:r>
-              <a:rPr lang="zh-TW" altLang="en-US" sz="6000" b="1" dirty="0" smtClean="0">
-                <a:solidFill>
-                  <a:srgbClr val="660033"/>
-                </a:solidFill>
-                <a:latin typeface="微軟正黑體" pitchFamily="34" charset="-120"/>
-                <a:ea typeface="微軟正黑體" pitchFamily="34" charset="-120"/>
-              </a:rPr>
-              <a:t>穿戴</a:t>
-            </a:r>
-            <a:r>
-              <a:rPr lang="en-US" altLang="zh-TW" sz="6000" b="1" dirty="0" smtClean="0">
-                <a:solidFill>
-                  <a:srgbClr val="660033"/>
-                </a:solidFill>
-                <a:latin typeface="微軟正黑體" pitchFamily="34" charset="-120"/>
-                <a:ea typeface="微軟正黑體" pitchFamily="34" charset="-120"/>
-              </a:rPr>
-              <a:t>  </a:t>
-            </a:r>
-            <a:r>
-              <a:rPr lang="zh-TW" altLang="en-US" sz="6000" b="1" dirty="0" smtClean="0">
-                <a:solidFill>
-                  <a:srgbClr val="660033"/>
-                </a:solidFill>
-                <a:latin typeface="微軟正黑體" pitchFamily="34" charset="-120"/>
-                <a:ea typeface="微軟正黑體" pitchFamily="34" charset="-120"/>
-              </a:rPr>
-              <a:t>儆</a:t>
-            </a:r>
-            <a:r>
-              <a:rPr lang="zh-TW" altLang="en-US" sz="6000" b="1" dirty="0">
-                <a:solidFill>
-                  <a:srgbClr val="660033"/>
-                </a:solidFill>
-                <a:latin typeface="微軟正黑體" pitchFamily="34" charset="-120"/>
-                <a:ea typeface="微軟正黑體" pitchFamily="34" charset="-120"/>
-              </a:rPr>
-              <a:t>醒時常禱祈</a:t>
-            </a:r>
-            <a:endParaRPr lang="en-US" altLang="zh-TW" sz="6000" b="1" dirty="0">
+        </p:txBody>
+      </p:sp>
+      <p:sp>
+        <p:nvSpPr>
+          <p:cNvPr id="4" name="TextBox 3"/>
+          <p:cNvSpPr txBox="1"/>
+          <p:nvPr/>
+        </p:nvSpPr>
+        <p:spPr>
+          <a:xfrm>
+            <a:off x="-11404" y="5229201"/>
+            <a:ext cx="12202941" cy="830997"/>
+          </a:xfrm>
+          <a:prstGeom prst="rect">
+            <a:avLst/>
+          </a:prstGeom>
+          <a:noFill/>
+        </p:spPr>
+        <p:txBody>
+          <a:bodyPr wrap="square" rtlCol="0" anchor="ctr">
+            <a:spAutoFit/>
+          </a:bodyPr>
+          <a:lstStyle/>
+          <a:p>
+            <a:pPr algn="ctr"/>
+            <a:r>
+              <a:rPr lang="en-US" sz="4800" b="1" dirty="0">
+                <a:solidFill>
+                  <a:srgbClr val="660033"/>
+                </a:solidFill>
+                <a:effectLst/>
+              </a:rPr>
+              <a:t>( </a:t>
+            </a:r>
+            <a:r>
+              <a:rPr lang="en-US" sz="4800" b="1" dirty="0">
+                <a:solidFill>
+                  <a:srgbClr val="660033"/>
+                </a:solidFill>
+                <a:effectLst/>
+              </a:rPr>
+              <a:t>1 / 4 </a:t>
+            </a:r>
+            <a:r>
+              <a:rPr lang="en-US" sz="4800" b="1" dirty="0">
+                <a:solidFill>
+                  <a:srgbClr val="660033"/>
+                </a:solidFill>
+                <a:effectLst/>
+              </a:rPr>
+              <a:t>)</a:t>
+            </a:r>
+            <a:endParaRPr lang="vi-VN" sz="4800" b="1" dirty="0">
               <a:solidFill>
                 <a:srgbClr val="660033"/>
               </a:solidFill>
-              <a:latin typeface="微軟正黑體" pitchFamily="34" charset="-120"/>
-              <a:ea typeface="微軟正黑體" pitchFamily="34" charset="-120"/>
+              <a:effectLst/>
             </a:endParaRPr>
           </a:p>
-          <a:p>
-            <a:pPr algn="ctr">
-              <a:buNone/>
-            </a:pPr>
-            <a:r>
-              <a:rPr lang="zh-TW" altLang="en-US" sz="6000" b="1" dirty="0">
-                <a:solidFill>
-                  <a:srgbClr val="660033"/>
-                </a:solidFill>
-                <a:latin typeface="微軟正黑體" pitchFamily="34" charset="-120"/>
-                <a:ea typeface="微軟正黑體" pitchFamily="34" charset="-120"/>
-              </a:rPr>
-              <a:t>應盡本份當</a:t>
-            </a:r>
-            <a:r>
-              <a:rPr lang="zh-TW" altLang="en-US" sz="6000" b="1" dirty="0" smtClean="0">
-                <a:solidFill>
-                  <a:srgbClr val="660033"/>
-                </a:solidFill>
-                <a:latin typeface="微軟正黑體" pitchFamily="34" charset="-120"/>
-                <a:ea typeface="微軟正黑體" pitchFamily="34" charset="-120"/>
-              </a:rPr>
-              <a:t>完成</a:t>
-            </a:r>
-            <a:r>
-              <a:rPr lang="en-US" altLang="zh-TW" sz="6000" b="1" dirty="0" smtClean="0">
-                <a:solidFill>
-                  <a:srgbClr val="660033"/>
-                </a:solidFill>
-                <a:latin typeface="微軟正黑體" pitchFamily="34" charset="-120"/>
-                <a:ea typeface="微軟正黑體" pitchFamily="34" charset="-120"/>
-              </a:rPr>
-              <a:t>  </a:t>
-            </a:r>
-            <a:r>
-              <a:rPr lang="zh-TW" altLang="en-US" sz="6000" b="1" dirty="0" smtClean="0">
-                <a:solidFill>
-                  <a:srgbClr val="660033"/>
-                </a:solidFill>
-                <a:latin typeface="微軟正黑體" pitchFamily="34" charset="-120"/>
-                <a:ea typeface="微軟正黑體" pitchFamily="34" charset="-120"/>
-              </a:rPr>
-              <a:t>艱難</a:t>
-            </a:r>
-            <a:r>
-              <a:rPr lang="zh-TW" altLang="en-US" sz="6000" b="1" dirty="0">
-                <a:solidFill>
-                  <a:srgbClr val="660033"/>
-                </a:solidFill>
-                <a:latin typeface="微軟正黑體" pitchFamily="34" charset="-120"/>
-                <a:ea typeface="微軟正黑體" pitchFamily="34" charset="-120"/>
-              </a:rPr>
-              <a:t>不以為奇</a:t>
-            </a:r>
-          </a:p>
-          <a:p>
-            <a:pPr algn="ctr">
-              <a:buNone/>
-            </a:pPr>
-            <a:endParaRPr lang="zh-TW" altLang="en-US" sz="6000" b="1" dirty="0">
-              <a:solidFill>
-                <a:srgbClr val="660033"/>
-              </a:solidFill>
-              <a:latin typeface="微軟正黑體" pitchFamily="34" charset="-120"/>
-              <a:ea typeface="微軟正黑體" pitchFamily="34" charset="-120"/>
-            </a:endParaRPr>
-          </a:p>
         </p:txBody>
       </p:sp>
     </p:spTree>
+    <p:extLst>
+      <p:ext uri="{BB962C8B-B14F-4D97-AF65-F5344CB8AC3E}">
+        <p14:creationId xmlns:p14="http://schemas.microsoft.com/office/powerpoint/2010/main" val="2163931013"/>
+      </p:ext>
+    </p:extLst>
   </p:cSld>
   <p:clrMapOvr>
     <a:masterClrMapping/>
   </p:clrMapOvr>
+  <p:timing>
+    <p:tnLst>
+      <p:par>
+        <p:cTn id="1" dur="indefinite" restart="never" nodeType="tmRoot"/>
+      </p:par>
+    </p:tnLst>
+  </p:timing>
 </p:sld>
 </file>
 
@@ -4148,120 +3657,60 @@
       </p:grpSpPr>
       <p:sp>
         <p:nvSpPr>
-          <p:cNvPr id="4" name="標題 3"/>
-          <p:cNvSpPr>
-            <a:spLocks noGrp="1"/>
-          </p:cNvSpPr>
-          <p:nvPr>
-            <p:ph type="title"/>
-          </p:nvPr>
-        </p:nvSpPr>
-        <p:spPr/>
-        <p:txBody>
-          <a:bodyPr>
+          <p:cNvPr id="5" name="內容版面配置區 4"/>
+          <p:cNvSpPr>
+            <a:spLocks noGrp="1"/>
+          </p:cNvSpPr>
+          <p:nvPr>
+            <p:ph idx="1"/>
+          </p:nvPr>
+        </p:nvSpPr>
+        <p:spPr>
+          <a:xfrm>
+            <a:off x="0" y="2084853"/>
+            <a:ext cx="12192000" cy="2404863"/>
+          </a:xfrm>
+        </p:spPr>
+        <p:txBody>
+          <a:bodyPr anchor="ctr">
             <a:normAutofit/>
           </a:bodyPr>
           <a:lstStyle/>
           <a:p>
-            <a:r>
-              <a:rPr lang="zh-TW" altLang="en-US" sz="4800" b="1" dirty="0">
-                <a:solidFill>
-                  <a:srgbClr val="660033"/>
-                </a:solidFill>
-                <a:latin typeface="微軟正黑體" pitchFamily="34" charset="-120"/>
-                <a:ea typeface="微軟正黑體" pitchFamily="34" charset="-120"/>
-              </a:rPr>
-              <a:t>盡忠為主</a:t>
-            </a:r>
-          </a:p>
-        </p:txBody>
-      </p:sp>
-      <p:sp>
-        <p:nvSpPr>
-          <p:cNvPr id="5" name="內容版面配置區 4"/>
-          <p:cNvSpPr>
-            <a:spLocks noGrp="1"/>
-          </p:cNvSpPr>
-          <p:nvPr>
-            <p:ph idx="1"/>
-          </p:nvPr>
-        </p:nvSpPr>
-        <p:spPr>
-          <a:xfrm>
-            <a:off x="0" y="1600201"/>
-            <a:ext cx="12192000" cy="4525963"/>
-          </a:xfrm>
-        </p:spPr>
-        <p:txBody>
-          <a:bodyPr>
-            <a:noAutofit/>
-          </a:bodyPr>
-          <a:lstStyle/>
-          <a:p>
             <a:pPr algn="ctr">
               <a:buNone/>
             </a:pPr>
             <a:r>
-              <a:rPr lang="zh-TW" altLang="en-US" sz="6000" b="1" dirty="0">
-                <a:solidFill>
-                  <a:srgbClr val="660033"/>
-                </a:solidFill>
-                <a:latin typeface="微軟正黑體" pitchFamily="34" charset="-120"/>
-                <a:ea typeface="微軟正黑體" pitchFamily="34" charset="-120"/>
-              </a:rPr>
-              <a:t>盡忠盡忠為</a:t>
-            </a:r>
-            <a:r>
-              <a:rPr lang="zh-TW" altLang="en-US" sz="6000" b="1" dirty="0" smtClean="0">
-                <a:solidFill>
-                  <a:srgbClr val="660033"/>
-                </a:solidFill>
-                <a:latin typeface="微軟正黑體" pitchFamily="34" charset="-120"/>
-                <a:ea typeface="微軟正黑體" pitchFamily="34" charset="-120"/>
-              </a:rPr>
-              <a:t>耶穌</a:t>
-            </a:r>
-            <a:r>
-              <a:rPr lang="en-US" altLang="zh-TW" sz="6000" b="1" dirty="0">
-                <a:solidFill>
-                  <a:srgbClr val="660033"/>
-                </a:solidFill>
-                <a:latin typeface="微軟正黑體" pitchFamily="34" charset="-120"/>
-                <a:ea typeface="微軟正黑體" pitchFamily="34" charset="-120"/>
-              </a:rPr>
-              <a:t> </a:t>
-            </a:r>
-            <a:r>
-              <a:rPr lang="en-US" altLang="zh-TW" sz="6000" b="1" dirty="0" smtClean="0">
-                <a:solidFill>
-                  <a:srgbClr val="660033"/>
-                </a:solidFill>
-                <a:latin typeface="微軟正黑體" pitchFamily="34" charset="-120"/>
-                <a:ea typeface="微軟正黑體" pitchFamily="34" charset="-120"/>
-              </a:rPr>
-              <a:t> </a:t>
-            </a:r>
-            <a:r>
-              <a:rPr lang="zh-TW" altLang="en-US" sz="6000" b="1" dirty="0" smtClean="0">
-                <a:solidFill>
-                  <a:srgbClr val="660033"/>
-                </a:solidFill>
-                <a:latin typeface="微軟正黑體" pitchFamily="34" charset="-120"/>
-                <a:ea typeface="微軟正黑體" pitchFamily="34" charset="-120"/>
-              </a:rPr>
-              <a:t>交戰</a:t>
-            </a:r>
-            <a:r>
-              <a:rPr lang="zh-TW" altLang="en-US" sz="6000" b="1" dirty="0">
-                <a:solidFill>
-                  <a:srgbClr val="660033"/>
-                </a:solidFill>
-                <a:latin typeface="微軟正黑體" pitchFamily="34" charset="-120"/>
-                <a:ea typeface="微軟正黑體" pitchFamily="34" charset="-120"/>
-              </a:rPr>
-              <a:t>時日無多</a:t>
-            </a:r>
-            <a:endParaRPr lang="en-US" altLang="zh-TW" sz="6000" b="1" dirty="0">
+              <a:rPr lang="zh-TW" altLang="en-US" sz="6400" b="1" dirty="0">
+                <a:solidFill>
+                  <a:srgbClr val="660033"/>
+                </a:solidFill>
+                <a:latin typeface="微軟正黑體" pitchFamily="34" charset="-120"/>
+                <a:ea typeface="微軟正黑體" pitchFamily="34" charset="-120"/>
+              </a:rPr>
+              <a:t>盡忠盡忠為耶穌</a:t>
+            </a:r>
+            <a:r>
+              <a:rPr lang="en-US" altLang="zh-TW" sz="6400" b="1" dirty="0">
+                <a:solidFill>
+                  <a:srgbClr val="660033"/>
+                </a:solidFill>
+                <a:latin typeface="微軟正黑體" pitchFamily="34" charset="-120"/>
+                <a:ea typeface="微軟正黑體" pitchFamily="34" charset="-120"/>
+              </a:rPr>
+              <a:t>   </a:t>
+            </a:r>
+            <a:r>
+              <a:rPr lang="zh-TW" altLang="en-US" sz="6400" b="1" dirty="0">
+                <a:solidFill>
+                  <a:srgbClr val="660033"/>
+                </a:solidFill>
+                <a:latin typeface="微軟正黑體" pitchFamily="34" charset="-120"/>
+                <a:ea typeface="微軟正黑體" pitchFamily="34" charset="-120"/>
+              </a:rPr>
+              <a:t>號令仍是服從</a:t>
+            </a:r>
+            <a:endParaRPr lang="en-US" altLang="zh-TW" sz="6400" b="1" dirty="0">
               <a:solidFill>
                 <a:srgbClr val="660033"/>
               </a:solidFill>
@@ -4274,76 +3723,36 @@
               <a:buNone/>
             </a:pPr>
             <a:r>
-              <a:rPr lang="zh-TW" altLang="en-US" sz="6000" b="1" dirty="0">
-                <a:solidFill>
-                  <a:srgbClr val="660033"/>
-                </a:solidFill>
-                <a:latin typeface="微軟正黑體" pitchFamily="34" charset="-120"/>
-                <a:ea typeface="微軟正黑體" pitchFamily="34" charset="-120"/>
-              </a:rPr>
-              <a:t>今日雖聞干戈</a:t>
-            </a:r>
-            <a:r>
-              <a:rPr lang="zh-TW" altLang="en-US" sz="6000" b="1" dirty="0" smtClean="0">
-                <a:solidFill>
-                  <a:srgbClr val="660033"/>
-                </a:solidFill>
-                <a:latin typeface="微軟正黑體" pitchFamily="34" charset="-120"/>
-                <a:ea typeface="微軟正黑體" pitchFamily="34" charset="-120"/>
-              </a:rPr>
-              <a:t>聲</a:t>
-            </a:r>
-            <a:r>
-              <a:rPr lang="en-US" altLang="zh-TW" sz="6000" b="1" dirty="0">
-                <a:solidFill>
-                  <a:srgbClr val="660033"/>
-                </a:solidFill>
-                <a:latin typeface="微軟正黑體" pitchFamily="34" charset="-120"/>
-                <a:ea typeface="微軟正黑體" pitchFamily="34" charset="-120"/>
-              </a:rPr>
-              <a:t> </a:t>
-            </a:r>
-            <a:r>
-              <a:rPr lang="en-US" altLang="zh-TW" sz="6000" b="1" dirty="0" smtClean="0">
-                <a:solidFill>
-                  <a:srgbClr val="660033"/>
-                </a:solidFill>
-                <a:latin typeface="微軟正黑體" pitchFamily="34" charset="-120"/>
-                <a:ea typeface="微軟正黑體" pitchFamily="34" charset="-120"/>
-              </a:rPr>
-              <a:t> </a:t>
-            </a:r>
-            <a:r>
-              <a:rPr lang="zh-TW" altLang="en-US" sz="6000" b="1" dirty="0" smtClean="0">
-                <a:solidFill>
-                  <a:srgbClr val="660033"/>
-                </a:solidFill>
-                <a:latin typeface="微軟正黑體" pitchFamily="34" charset="-120"/>
-                <a:ea typeface="微軟正黑體" pitchFamily="34" charset="-120"/>
-              </a:rPr>
-              <a:t>明日</a:t>
-            </a:r>
-            <a:r>
-              <a:rPr lang="zh-TW" altLang="en-US" sz="6000" b="1" dirty="0">
-                <a:solidFill>
-                  <a:srgbClr val="660033"/>
-                </a:solidFill>
-                <a:latin typeface="微軟正黑體" pitchFamily="34" charset="-120"/>
-                <a:ea typeface="微軟正黑體" pitchFamily="34" charset="-120"/>
-              </a:rPr>
-              <a:t>即奏凱</a:t>
-            </a:r>
-            <a:r>
-              <a:rPr lang="zh-TW" altLang="en-US" sz="6000" b="1" dirty="0" smtClean="0">
-                <a:solidFill>
-                  <a:srgbClr val="660033"/>
-                </a:solidFill>
-                <a:latin typeface="微軟正黑體" pitchFamily="34" charset="-120"/>
-                <a:ea typeface="微軟正黑體" pitchFamily="34" charset="-120"/>
-              </a:rPr>
-              <a:t>歌</a:t>
-            </a:r>
-            <a:endParaRPr lang="en-US" altLang="zh-TW" sz="6000" b="1" dirty="0" smtClean="0">
+              <a:rPr lang="zh-TW" altLang="en-US" sz="6400" b="1" dirty="0">
+                <a:solidFill>
+                  <a:srgbClr val="660033"/>
+                </a:solidFill>
+                <a:latin typeface="微軟正黑體" pitchFamily="34" charset="-120"/>
+                <a:ea typeface="微軟正黑體" pitchFamily="34" charset="-120"/>
+              </a:rPr>
+              <a:t>勇往直臨大戰場</a:t>
+            </a:r>
+            <a:r>
+              <a:rPr lang="en-US" altLang="zh-TW" sz="6400" b="1" dirty="0">
+                <a:solidFill>
+                  <a:srgbClr val="660033"/>
+                </a:solidFill>
+                <a:latin typeface="微軟正黑體" pitchFamily="34" charset="-120"/>
+                <a:ea typeface="微軟正黑體" pitchFamily="34" charset="-120"/>
+              </a:rPr>
+              <a:t>   </a:t>
+            </a:r>
+            <a:r>
+              <a:rPr lang="zh-TW" altLang="en-US" sz="6400" b="1" dirty="0">
+                <a:solidFill>
+                  <a:srgbClr val="660033"/>
+                </a:solidFill>
+                <a:latin typeface="微軟正黑體" pitchFamily="34" charset="-120"/>
+                <a:ea typeface="微軟正黑體" pitchFamily="34" charset="-120"/>
+              </a:rPr>
+              <a:t>在此主榮日中</a:t>
+            </a:r>
+            <a:endParaRPr lang="en-US" altLang="zh-TW" sz="6400" b="1" dirty="0">
               <a:solidFill>
                 <a:srgbClr val="660033"/>
               </a:solidFill>
@@ -4351,61 +3760,160 @@
               <a:ea typeface="微軟正黑體" pitchFamily="34" charset="-120"/>
             </a:endParaRPr>
           </a:p>
+        </p:txBody>
+      </p:sp>
+      <p:sp>
+        <p:nvSpPr>
+          <p:cNvPr id="4" name="TextBox 3"/>
+          <p:cNvSpPr txBox="1"/>
+          <p:nvPr/>
+        </p:nvSpPr>
+        <p:spPr>
+          <a:xfrm>
+            <a:off x="-11404" y="5229201"/>
+            <a:ext cx="12202941" cy="830997"/>
+          </a:xfrm>
+          <a:prstGeom prst="rect">
+            <a:avLst/>
+          </a:prstGeom>
+          <a:noFill/>
+        </p:spPr>
+        <p:txBody>
+          <a:bodyPr wrap="square" rtlCol="0" anchor="ctr">
+            <a:spAutoFit/>
+          </a:bodyPr>
+          <a:lstStyle/>
+          <a:p>
+            <a:pPr algn="ctr"/>
+            <a:r>
+              <a:rPr lang="en-US" sz="4800" b="1" dirty="0">
+                <a:solidFill>
+                  <a:srgbClr val="660033"/>
+                </a:solidFill>
+                <a:effectLst/>
+              </a:rPr>
+              <a:t>( </a:t>
+            </a:r>
+            <a:r>
+              <a:rPr lang="en-US" sz="4800" b="1" dirty="0">
+                <a:solidFill>
+                  <a:srgbClr val="660033"/>
+                </a:solidFill>
+                <a:effectLst/>
+              </a:rPr>
+              <a:t>2 / 4 </a:t>
+            </a:r>
+            <a:r>
+              <a:rPr lang="en-US" sz="4800" b="1" dirty="0">
+                <a:solidFill>
+                  <a:srgbClr val="660033"/>
+                </a:solidFill>
+                <a:effectLst/>
+              </a:rPr>
+              <a:t>)</a:t>
+            </a:r>
+            <a:endParaRPr lang="vi-VN" sz="4800" b="1" dirty="0">
+              <a:solidFill>
+                <a:srgbClr val="660033"/>
+              </a:solidFill>
+              <a:effectLst/>
+            </a:endParaRPr>
+          </a:p>
+        </p:txBody>
+      </p:sp>
+    </p:spTree>
+    <p:extLst>
+      <p:ext uri="{BB962C8B-B14F-4D97-AF65-F5344CB8AC3E}">
+        <p14:creationId xmlns:p14="http://schemas.microsoft.com/office/powerpoint/2010/main" val="3082207686"/>
+      </p:ext>
+    </p:extLst>
+  </p:cSld>
+  <p:clrMapOvr>
+    <a:masterClrMapping/>
+  </p:clrMapOvr>
+  <p:timing>
+    <p:tnLst>
+      <p:par>
+        <p:cTn id="1" dur="indefinite" restart="never" nodeType="tmRoot"/>
+      </p:par>
+    </p:tnLst>
+  </p:timing>
+</p:sld>
+</file>
+
+<file path=ppt/slides/slide5.xml><?xml version="1.0" encoding="utf-8"?>
+<p:sld xmlns:a="http://schemas.openxmlformats.org/drawingml/2006/main" xmlns:r="http://schemas.openxmlformats.org/officeDocument/2006/relationships" xmlns:p="http://schemas.openxmlformats.org/presentationml/2006/main">
+  <p:cSld>
+    <p:spTree>
+      <p:nvGrpSpPr>
+        <p:cNvPr id="1" name=""/>
+        <p:cNvGrpSpPr/>
+        <p:nvPr/>
+      </p:nvGrpSpPr>
+      <p:grpSpPr>
+        <a:xfrm>
+          <a:off x="0" y="0"/>
+          <a:ext cx="0" cy="0"/>
+          <a:chOff x="0" y="0"/>
+          <a:chExt cx="0" cy="0"/>
+        </a:xfrm>
+      </p:grpSpPr>
+      <p:sp>
+        <p:nvSpPr>
+          <p:cNvPr id="5" name="內容版面配置區 4"/>
+          <p:cNvSpPr>
+            <a:spLocks noGrp="1"/>
+          </p:cNvSpPr>
+          <p:nvPr>
+            <p:ph idx="1"/>
+          </p:nvPr>
+        </p:nvSpPr>
+        <p:spPr>
+          <a:xfrm>
+            <a:off x="0" y="2084853"/>
+            <a:ext cx="12192000" cy="2404863"/>
+          </a:xfrm>
+        </p:spPr>
+        <p:txBody>
+          <a:bodyPr anchor="ctr">
+            <a:normAutofit/>
+          </a:bodyPr>
+          <a:lstStyle/>
           <a:p>
             <a:pPr algn="ctr">
               <a:buNone/>
             </a:pPr>
             <a:r>
-              <a:rPr lang="zh-TW" altLang="en-US" sz="6000" b="1" dirty="0">
-                <a:solidFill>
-                  <a:srgbClr val="660033"/>
-                </a:solidFill>
-                <a:latin typeface="微軟正黑體" pitchFamily="34" charset="-120"/>
-                <a:ea typeface="微軟正黑體" pitchFamily="34" charset="-120"/>
-              </a:rPr>
-              <a:t>凡為出力得勝</a:t>
-            </a:r>
-            <a:r>
-              <a:rPr lang="zh-TW" altLang="en-US" sz="6000" b="1" dirty="0" smtClean="0">
-                <a:solidFill>
-                  <a:srgbClr val="660033"/>
-                </a:solidFill>
-                <a:latin typeface="微軟正黑體" pitchFamily="34" charset="-120"/>
-                <a:ea typeface="微軟正黑體" pitchFamily="34" charset="-120"/>
-              </a:rPr>
-              <a:t>者</a:t>
-            </a:r>
-            <a:r>
-              <a:rPr lang="en-US" altLang="zh-TW" sz="6000" b="1" dirty="0" smtClean="0">
-                <a:solidFill>
-                  <a:srgbClr val="660033"/>
-                </a:solidFill>
-                <a:latin typeface="微軟正黑體" pitchFamily="34" charset="-120"/>
-                <a:ea typeface="微軟正黑體" pitchFamily="34" charset="-120"/>
-              </a:rPr>
-              <a:t>  </a:t>
-            </a:r>
-            <a:r>
-              <a:rPr lang="zh-TW" altLang="en-US" sz="6000" b="1" dirty="0" smtClean="0">
-                <a:solidFill>
-                  <a:srgbClr val="660033"/>
-                </a:solidFill>
-                <a:latin typeface="微軟正黑體" pitchFamily="34" charset="-120"/>
-                <a:ea typeface="微軟正黑體" pitchFamily="34" charset="-120"/>
-              </a:rPr>
-              <a:t>必得</a:t>
-            </a:r>
-            <a:r>
-              <a:rPr lang="zh-TW" altLang="en-US" sz="6000" b="1" dirty="0">
-                <a:solidFill>
-                  <a:srgbClr val="660033"/>
-                </a:solidFill>
-                <a:latin typeface="微軟正黑體" pitchFamily="34" charset="-120"/>
-                <a:ea typeface="微軟正黑體" pitchFamily="34" charset="-120"/>
-              </a:rPr>
-              <a:t>生命冠冕</a:t>
-            </a:r>
-            <a:endParaRPr lang="en-US" altLang="zh-TW" sz="6000" b="1" dirty="0">
+              <a:rPr lang="zh-TW" altLang="en-US" sz="6400" b="1" dirty="0">
+                <a:solidFill>
+                  <a:srgbClr val="660033"/>
+                </a:solidFill>
+                <a:latin typeface="微軟正黑體" pitchFamily="34" charset="-120"/>
+                <a:ea typeface="微軟正黑體" pitchFamily="34" charset="-120"/>
+              </a:rPr>
+              <a:t>既為精兵必忠主</a:t>
+            </a:r>
+            <a:r>
+              <a:rPr lang="en-US" altLang="zh-TW" sz="6400" b="1" dirty="0">
+                <a:solidFill>
+                  <a:srgbClr val="660033"/>
+                </a:solidFill>
+                <a:latin typeface="微軟正黑體" pitchFamily="34" charset="-120"/>
+                <a:ea typeface="微軟正黑體" pitchFamily="34" charset="-120"/>
+              </a:rPr>
+              <a:t>   </a:t>
+            </a:r>
+            <a:r>
+              <a:rPr lang="zh-TW" altLang="en-US" sz="6400" b="1" dirty="0">
+                <a:solidFill>
+                  <a:srgbClr val="660033"/>
+                </a:solidFill>
+                <a:latin typeface="微軟正黑體" pitchFamily="34" charset="-120"/>
+                <a:ea typeface="微軟正黑體" pitchFamily="34" charset="-120"/>
+              </a:rPr>
+              <a:t>奮抵無數仇敵</a:t>
+            </a:r>
+            <a:endParaRPr lang="en-US" altLang="zh-TW" sz="6400" b="1" dirty="0">
               <a:solidFill>
                 <a:srgbClr val="660033"/>
               </a:solidFill>
@@ -4418,61 +3926,36 @@
               <a:buNone/>
             </a:pPr>
             <a:r>
-              <a:rPr lang="zh-TW" altLang="en-US" sz="6000" b="1" dirty="0">
-                <a:solidFill>
-                  <a:srgbClr val="660033"/>
-                </a:solidFill>
-                <a:latin typeface="微軟正黑體" pitchFamily="34" charset="-120"/>
-                <a:ea typeface="微軟正黑體" pitchFamily="34" charset="-120"/>
-              </a:rPr>
-              <a:t>必與榮耀至聖</a:t>
-            </a:r>
-            <a:r>
-              <a:rPr lang="zh-TW" altLang="en-US" sz="6000" b="1" dirty="0" smtClean="0">
-                <a:solidFill>
-                  <a:srgbClr val="660033"/>
-                </a:solidFill>
-                <a:latin typeface="微軟正黑體" pitchFamily="34" charset="-120"/>
-                <a:ea typeface="微軟正黑體" pitchFamily="34" charset="-120"/>
-              </a:rPr>
-              <a:t>王</a:t>
-            </a:r>
-            <a:r>
-              <a:rPr lang="en-US" altLang="zh-TW" sz="6000" b="1" dirty="0" smtClean="0">
-                <a:solidFill>
-                  <a:srgbClr val="660033"/>
-                </a:solidFill>
-                <a:latin typeface="微軟正黑體" pitchFamily="34" charset="-120"/>
-                <a:ea typeface="微軟正黑體" pitchFamily="34" charset="-120"/>
-              </a:rPr>
-              <a:t>  </a:t>
-            </a:r>
-            <a:r>
-              <a:rPr lang="zh-TW" altLang="en-US" sz="6000" b="1" dirty="0" smtClean="0">
-                <a:solidFill>
-                  <a:srgbClr val="660033"/>
-                </a:solidFill>
-                <a:latin typeface="微軟正黑體" pitchFamily="34" charset="-120"/>
-                <a:ea typeface="微軟正黑體" pitchFamily="34" charset="-120"/>
-              </a:rPr>
-              <a:t>永遠</a:t>
-            </a:r>
-            <a:r>
-              <a:rPr lang="zh-TW" altLang="en-US" sz="6000" b="1" dirty="0">
-                <a:solidFill>
-                  <a:srgbClr val="660033"/>
-                </a:solidFill>
-                <a:latin typeface="微軟正黑體" pitchFamily="34" charset="-120"/>
-                <a:ea typeface="微軟正黑體" pitchFamily="34" charset="-120"/>
-              </a:rPr>
-              <a:t>同操王權</a:t>
-            </a:r>
-          </a:p>
-          <a:p>
-            <a:pPr algn="ctr">
-              <a:buNone/>
-            </a:pPr>
-            <a:endParaRPr lang="zh-TW" altLang="en-US" sz="6000" b="1" dirty="0">
+              <a:rPr lang="zh-TW" altLang="en-US" sz="6400" b="1" dirty="0">
+                <a:solidFill>
+                  <a:srgbClr val="660033"/>
+                </a:solidFill>
+                <a:latin typeface="微軟正黑體" pitchFamily="34" charset="-120"/>
+                <a:ea typeface="微軟正黑體" pitchFamily="34" charset="-120"/>
+              </a:rPr>
+              <a:t>豪膽因險更增長</a:t>
+            </a:r>
+            <a:r>
+              <a:rPr lang="en-US" altLang="zh-TW" sz="6400" b="1" dirty="0">
+                <a:solidFill>
+                  <a:srgbClr val="660033"/>
+                </a:solidFill>
+                <a:latin typeface="微軟正黑體" pitchFamily="34" charset="-120"/>
+                <a:ea typeface="微軟正黑體" pitchFamily="34" charset="-120"/>
+              </a:rPr>
+              <a:t>   </a:t>
+            </a:r>
+            <a:r>
+              <a:rPr lang="zh-TW" altLang="en-US" sz="6400" b="1" dirty="0">
+                <a:solidFill>
+                  <a:srgbClr val="660033"/>
+                </a:solidFill>
+                <a:latin typeface="微軟正黑體" pitchFamily="34" charset="-120"/>
+                <a:ea typeface="微軟正黑體" pitchFamily="34" charset="-120"/>
+              </a:rPr>
+              <a:t>戰力遇敵更益</a:t>
+            </a:r>
+            <a:endParaRPr lang="zh-TW" altLang="en-US" sz="6400" b="1" dirty="0">
               <a:solidFill>
                 <a:srgbClr val="660033"/>
               </a:solidFill>
@@ -4482,11 +3965,894 @@
           </a:p>
         </p:txBody>
       </p:sp>
+      <p:sp>
+        <p:nvSpPr>
+          <p:cNvPr id="4" name="TextBox 3"/>
+          <p:cNvSpPr txBox="1"/>
+          <p:nvPr/>
+        </p:nvSpPr>
+        <p:spPr>
+          <a:xfrm>
+            <a:off x="-11404" y="5229201"/>
+            <a:ext cx="12202941" cy="830997"/>
+          </a:xfrm>
+          <a:prstGeom prst="rect">
+            <a:avLst/>
+          </a:prstGeom>
+          <a:noFill/>
+        </p:spPr>
+        <p:txBody>
+          <a:bodyPr wrap="square" rtlCol="0" anchor="ctr">
+            <a:spAutoFit/>
+          </a:bodyPr>
+          <a:lstStyle/>
+          <a:p>
+            <a:pPr algn="ctr"/>
+            <a:r>
+              <a:rPr lang="en-US" sz="4800" b="1" dirty="0">
+                <a:solidFill>
+                  <a:srgbClr val="660033"/>
+                </a:solidFill>
+                <a:effectLst/>
+              </a:rPr>
+              <a:t>( </a:t>
+            </a:r>
+            <a:r>
+              <a:rPr lang="en-US" sz="4800" b="1" dirty="0">
+                <a:solidFill>
+                  <a:srgbClr val="660033"/>
+                </a:solidFill>
+                <a:effectLst/>
+              </a:rPr>
+              <a:t>2 / 4 </a:t>
+            </a:r>
+            <a:r>
+              <a:rPr lang="en-US" sz="4800" b="1" dirty="0">
+                <a:solidFill>
+                  <a:srgbClr val="660033"/>
+                </a:solidFill>
+                <a:effectLst/>
+              </a:rPr>
+              <a:t>)</a:t>
+            </a:r>
+            <a:endParaRPr lang="vi-VN" sz="4800" b="1" dirty="0">
+              <a:solidFill>
+                <a:srgbClr val="660033"/>
+              </a:solidFill>
+              <a:effectLst/>
+            </a:endParaRPr>
+          </a:p>
+        </p:txBody>
+      </p:sp>
     </p:spTree>
+    <p:extLst>
+      <p:ext uri="{BB962C8B-B14F-4D97-AF65-F5344CB8AC3E}">
+        <p14:creationId xmlns:p14="http://schemas.microsoft.com/office/powerpoint/2010/main" val="3722841239"/>
+      </p:ext>
+    </p:extLst>
   </p:cSld>
   <p:clrMapOvr>
     <a:masterClrMapping/>
   </p:clrMapOvr>
+  <p:timing>
+    <p:tnLst>
+      <p:par>
+        <p:cTn id="1" dur="indefinite" restart="never" nodeType="tmRoot"/>
+      </p:par>
+    </p:tnLst>
+  </p:timing>
+</p:sld>
+</file>
+
+<file path=ppt/slides/slide6.xml><?xml version="1.0" encoding="utf-8"?>
+<p:sld xmlns:a="http://schemas.openxmlformats.org/drawingml/2006/main" xmlns:r="http://schemas.openxmlformats.org/officeDocument/2006/relationships" xmlns:p="http://schemas.openxmlformats.org/presentationml/2006/main">
+  <p:cSld>
+    <p:spTree>
+      <p:nvGrpSpPr>
+        <p:cNvPr id="1" name=""/>
+        <p:cNvGrpSpPr/>
+        <p:nvPr/>
+      </p:nvGrpSpPr>
+      <p:grpSpPr>
+        <a:xfrm>
+          <a:off x="0" y="0"/>
+          <a:ext cx="0" cy="0"/>
+          <a:chOff x="0" y="0"/>
+          <a:chExt cx="0" cy="0"/>
+        </a:xfrm>
+      </p:grpSpPr>
+      <p:sp>
+        <p:nvSpPr>
+          <p:cNvPr id="5" name="內容版面配置區 4"/>
+          <p:cNvSpPr>
+            <a:spLocks noGrp="1"/>
+          </p:cNvSpPr>
+          <p:nvPr>
+            <p:ph idx="1"/>
+          </p:nvPr>
+        </p:nvSpPr>
+        <p:spPr>
+          <a:xfrm>
+            <a:off x="0" y="2084853"/>
+            <a:ext cx="12192000" cy="2404863"/>
+          </a:xfrm>
+        </p:spPr>
+        <p:txBody>
+          <a:bodyPr anchor="ctr">
+            <a:normAutofit/>
+          </a:bodyPr>
+          <a:lstStyle/>
+          <a:p>
+            <a:pPr algn="ctr">
+              <a:buNone/>
+            </a:pPr>
+            <a:r>
+              <a:rPr lang="zh-TW" altLang="en-US" sz="6400" b="1" dirty="0">
+                <a:solidFill>
+                  <a:srgbClr val="660033"/>
+                </a:solidFill>
+                <a:latin typeface="微軟正黑體" pitchFamily="34" charset="-120"/>
+                <a:ea typeface="微軟正黑體" pitchFamily="34" charset="-120"/>
+              </a:rPr>
+              <a:t>盡忠盡忠為耶穌</a:t>
+            </a:r>
+            <a:r>
+              <a:rPr lang="en-US" altLang="zh-TW" sz="6400" b="1" dirty="0">
+                <a:solidFill>
+                  <a:srgbClr val="660033"/>
+                </a:solidFill>
+                <a:latin typeface="微軟正黑體" pitchFamily="34" charset="-120"/>
+                <a:ea typeface="微軟正黑體" pitchFamily="34" charset="-120"/>
+              </a:rPr>
+              <a:t>   </a:t>
+            </a:r>
+            <a:r>
+              <a:rPr lang="zh-TW" altLang="en-US" sz="6400" b="1" dirty="0">
+                <a:solidFill>
+                  <a:srgbClr val="660033"/>
+                </a:solidFill>
+                <a:latin typeface="微軟正黑體" pitchFamily="34" charset="-120"/>
+                <a:ea typeface="微軟正黑體" pitchFamily="34" charset="-120"/>
+              </a:rPr>
+              <a:t>作戰單賴主力</a:t>
+            </a:r>
+            <a:endParaRPr lang="en-US" altLang="zh-TW" sz="6400" b="1" dirty="0">
+              <a:solidFill>
+                <a:srgbClr val="660033"/>
+              </a:solidFill>
+              <a:latin typeface="微軟正黑體" pitchFamily="34" charset="-120"/>
+              <a:ea typeface="微軟正黑體" pitchFamily="34" charset="-120"/>
+            </a:endParaRPr>
+          </a:p>
+          <a:p>
+            <a:pPr algn="ctr">
+              <a:buNone/>
+            </a:pPr>
+            <a:r>
+              <a:rPr lang="zh-TW" altLang="en-US" sz="6400" b="1" dirty="0">
+                <a:solidFill>
+                  <a:srgbClr val="660033"/>
+                </a:solidFill>
+                <a:latin typeface="微軟正黑體" pitchFamily="34" charset="-120"/>
+                <a:ea typeface="微軟正黑體" pitchFamily="34" charset="-120"/>
+              </a:rPr>
+              <a:t>肉體武器必退敗</a:t>
+            </a:r>
+            <a:r>
+              <a:rPr lang="en-US" altLang="zh-TW" sz="6400" b="1" dirty="0">
+                <a:solidFill>
+                  <a:srgbClr val="660033"/>
+                </a:solidFill>
+                <a:latin typeface="微軟正黑體" pitchFamily="34" charset="-120"/>
+                <a:ea typeface="微軟正黑體" pitchFamily="34" charset="-120"/>
+              </a:rPr>
+              <a:t>   </a:t>
+            </a:r>
+            <a:r>
+              <a:rPr lang="zh-TW" altLang="en-US" sz="6400" b="1" dirty="0">
+                <a:solidFill>
+                  <a:srgbClr val="660033"/>
+                </a:solidFill>
+                <a:latin typeface="微軟正黑體" pitchFamily="34" charset="-120"/>
+                <a:ea typeface="微軟正黑體" pitchFamily="34" charset="-120"/>
+              </a:rPr>
+              <a:t>不敢恃靠自己</a:t>
+            </a:r>
+            <a:endParaRPr lang="en-US" altLang="zh-TW" sz="6400" b="1" dirty="0">
+              <a:solidFill>
+                <a:srgbClr val="660033"/>
+              </a:solidFill>
+              <a:latin typeface="微軟正黑體" pitchFamily="34" charset="-120"/>
+              <a:ea typeface="微軟正黑體" pitchFamily="34" charset="-120"/>
+            </a:endParaRPr>
+          </a:p>
+        </p:txBody>
+      </p:sp>
+      <p:sp>
+        <p:nvSpPr>
+          <p:cNvPr id="4" name="TextBox 3"/>
+          <p:cNvSpPr txBox="1"/>
+          <p:nvPr/>
+        </p:nvSpPr>
+        <p:spPr>
+          <a:xfrm>
+            <a:off x="-11404" y="5229201"/>
+            <a:ext cx="12202941" cy="830997"/>
+          </a:xfrm>
+          <a:prstGeom prst="rect">
+            <a:avLst/>
+          </a:prstGeom>
+          <a:noFill/>
+        </p:spPr>
+        <p:txBody>
+          <a:bodyPr wrap="square" rtlCol="0" anchor="ctr">
+            <a:spAutoFit/>
+          </a:bodyPr>
+          <a:lstStyle/>
+          <a:p>
+            <a:pPr algn="ctr"/>
+            <a:r>
+              <a:rPr lang="en-US" sz="4800" b="1" dirty="0">
+                <a:solidFill>
+                  <a:srgbClr val="660033"/>
+                </a:solidFill>
+                <a:effectLst/>
+              </a:rPr>
+              <a:t>( </a:t>
+            </a:r>
+            <a:r>
+              <a:rPr lang="en-US" sz="4800" b="1" dirty="0">
+                <a:solidFill>
+                  <a:srgbClr val="660033"/>
+                </a:solidFill>
+                <a:effectLst/>
+              </a:rPr>
+              <a:t>3 / 4 </a:t>
+            </a:r>
+            <a:r>
+              <a:rPr lang="en-US" sz="4800" b="1" dirty="0">
+                <a:solidFill>
+                  <a:srgbClr val="660033"/>
+                </a:solidFill>
+                <a:effectLst/>
+              </a:rPr>
+              <a:t>)</a:t>
+            </a:r>
+            <a:endParaRPr lang="vi-VN" sz="4800" b="1" dirty="0">
+              <a:solidFill>
+                <a:srgbClr val="660033"/>
+              </a:solidFill>
+              <a:effectLst/>
+            </a:endParaRPr>
+          </a:p>
+        </p:txBody>
+      </p:sp>
+    </p:spTree>
+    <p:extLst>
+      <p:ext uri="{BB962C8B-B14F-4D97-AF65-F5344CB8AC3E}">
+        <p14:creationId xmlns:p14="http://schemas.microsoft.com/office/powerpoint/2010/main" val="620790602"/>
+      </p:ext>
+    </p:extLst>
+  </p:cSld>
+  <p:clrMapOvr>
+    <a:masterClrMapping/>
+  </p:clrMapOvr>
+  <p:timing>
+    <p:tnLst>
+      <p:par>
+        <p:cTn id="1" dur="indefinite" restart="never" nodeType="tmRoot"/>
+      </p:par>
+    </p:tnLst>
+  </p:timing>
+</p:sld>
+</file>
+
+<file path=ppt/slides/slide7.xml><?xml version="1.0" encoding="utf-8"?>
+<p:sld xmlns:a="http://schemas.openxmlformats.org/drawingml/2006/main" xmlns:r="http://schemas.openxmlformats.org/officeDocument/2006/relationships" xmlns:p="http://schemas.openxmlformats.org/presentationml/2006/main">
+  <p:cSld>
+    <p:spTree>
+      <p:nvGrpSpPr>
+        <p:cNvPr id="1" name=""/>
+        <p:cNvGrpSpPr/>
+        <p:nvPr/>
+      </p:nvGrpSpPr>
+      <p:grpSpPr>
+        <a:xfrm>
+          <a:off x="0" y="0"/>
+          <a:ext cx="0" cy="0"/>
+          <a:chOff x="0" y="0"/>
+          <a:chExt cx="0" cy="0"/>
+        </a:xfrm>
+      </p:grpSpPr>
+      <p:sp>
+        <p:nvSpPr>
+          <p:cNvPr id="5" name="內容版面配置區 4"/>
+          <p:cNvSpPr>
+            <a:spLocks noGrp="1"/>
+          </p:cNvSpPr>
+          <p:nvPr>
+            <p:ph idx="1"/>
+          </p:nvPr>
+        </p:nvSpPr>
+        <p:spPr>
+          <a:xfrm>
+            <a:off x="0" y="2084853"/>
+            <a:ext cx="12192000" cy="2404863"/>
+          </a:xfrm>
+        </p:spPr>
+        <p:txBody>
+          <a:bodyPr anchor="ctr">
+            <a:normAutofit/>
+          </a:bodyPr>
+          <a:lstStyle/>
+          <a:p>
+            <a:pPr algn="ctr">
+              <a:buNone/>
+            </a:pPr>
+            <a:r>
+              <a:rPr lang="zh-TW" altLang="en-US" sz="6400" b="1" dirty="0">
+                <a:solidFill>
+                  <a:srgbClr val="660033"/>
+                </a:solidFill>
+                <a:latin typeface="微軟正黑體" pitchFamily="34" charset="-120"/>
+                <a:ea typeface="微軟正黑體" pitchFamily="34" charset="-120"/>
+              </a:rPr>
+              <a:t>信徒盔甲該穿戴</a:t>
+            </a:r>
+            <a:r>
+              <a:rPr lang="en-US" altLang="zh-TW" sz="6400" b="1" dirty="0">
+                <a:solidFill>
+                  <a:srgbClr val="660033"/>
+                </a:solidFill>
+                <a:latin typeface="微軟正黑體" pitchFamily="34" charset="-120"/>
+                <a:ea typeface="微軟正黑體" pitchFamily="34" charset="-120"/>
+              </a:rPr>
+              <a:t>   </a:t>
+            </a:r>
+            <a:r>
+              <a:rPr lang="zh-TW" altLang="en-US" sz="6400" b="1" dirty="0">
+                <a:solidFill>
+                  <a:srgbClr val="660033"/>
+                </a:solidFill>
+                <a:latin typeface="微軟正黑體" pitchFamily="34" charset="-120"/>
+                <a:ea typeface="微軟正黑體" pitchFamily="34" charset="-120"/>
+              </a:rPr>
+              <a:t>儆醒時常禱祈</a:t>
+            </a:r>
+            <a:endParaRPr lang="en-US" altLang="zh-TW" sz="6400" b="1" dirty="0">
+              <a:solidFill>
+                <a:srgbClr val="660033"/>
+              </a:solidFill>
+              <a:latin typeface="微軟正黑體" pitchFamily="34" charset="-120"/>
+              <a:ea typeface="微軟正黑體" pitchFamily="34" charset="-120"/>
+            </a:endParaRPr>
+          </a:p>
+          <a:p>
+            <a:pPr algn="ctr">
+              <a:buNone/>
+            </a:pPr>
+            <a:r>
+              <a:rPr lang="zh-TW" altLang="en-US" sz="6400" b="1" dirty="0">
+                <a:solidFill>
+                  <a:srgbClr val="660033"/>
+                </a:solidFill>
+                <a:latin typeface="微軟正黑體" pitchFamily="34" charset="-120"/>
+                <a:ea typeface="微軟正黑體" pitchFamily="34" charset="-120"/>
+              </a:rPr>
+              <a:t>應盡本份當完成</a:t>
+            </a:r>
+            <a:r>
+              <a:rPr lang="en-US" altLang="zh-TW" sz="6400" b="1" dirty="0">
+                <a:solidFill>
+                  <a:srgbClr val="660033"/>
+                </a:solidFill>
+                <a:latin typeface="微軟正黑體" pitchFamily="34" charset="-120"/>
+                <a:ea typeface="微軟正黑體" pitchFamily="34" charset="-120"/>
+              </a:rPr>
+              <a:t>   </a:t>
+            </a:r>
+            <a:r>
+              <a:rPr lang="zh-TW" altLang="en-US" sz="6400" b="1" dirty="0">
+                <a:solidFill>
+                  <a:srgbClr val="660033"/>
+                </a:solidFill>
+                <a:latin typeface="微軟正黑體" pitchFamily="34" charset="-120"/>
+                <a:ea typeface="微軟正黑體" pitchFamily="34" charset="-120"/>
+              </a:rPr>
+              <a:t>艱難不以為奇</a:t>
+            </a:r>
+            <a:endParaRPr lang="zh-TW" altLang="en-US" sz="6400" b="1" dirty="0">
+              <a:solidFill>
+                <a:srgbClr val="660033"/>
+              </a:solidFill>
+              <a:latin typeface="微軟正黑體" pitchFamily="34" charset="-120"/>
+              <a:ea typeface="微軟正黑體" pitchFamily="34" charset="-120"/>
+            </a:endParaRPr>
+          </a:p>
+        </p:txBody>
+      </p:sp>
+      <p:sp>
+        <p:nvSpPr>
+          <p:cNvPr id="4" name="TextBox 3"/>
+          <p:cNvSpPr txBox="1"/>
+          <p:nvPr/>
+        </p:nvSpPr>
+        <p:spPr>
+          <a:xfrm>
+            <a:off x="-11404" y="5229201"/>
+            <a:ext cx="12202941" cy="830997"/>
+          </a:xfrm>
+          <a:prstGeom prst="rect">
+            <a:avLst/>
+          </a:prstGeom>
+          <a:noFill/>
+        </p:spPr>
+        <p:txBody>
+          <a:bodyPr wrap="square" rtlCol="0" anchor="ctr">
+            <a:spAutoFit/>
+          </a:bodyPr>
+          <a:lstStyle/>
+          <a:p>
+            <a:pPr algn="ctr"/>
+            <a:r>
+              <a:rPr lang="en-US" sz="4800" b="1" dirty="0">
+                <a:solidFill>
+                  <a:srgbClr val="660033"/>
+                </a:solidFill>
+                <a:effectLst/>
+              </a:rPr>
+              <a:t>( </a:t>
+            </a:r>
+            <a:r>
+              <a:rPr lang="en-US" sz="4800" b="1" dirty="0">
+                <a:solidFill>
+                  <a:srgbClr val="660033"/>
+                </a:solidFill>
+                <a:effectLst/>
+              </a:rPr>
+              <a:t>3 / 4 </a:t>
+            </a:r>
+            <a:r>
+              <a:rPr lang="en-US" sz="4800" b="1" dirty="0">
+                <a:solidFill>
+                  <a:srgbClr val="660033"/>
+                </a:solidFill>
+                <a:effectLst/>
+              </a:rPr>
+              <a:t>)</a:t>
+            </a:r>
+            <a:endParaRPr lang="vi-VN" sz="4800" b="1" dirty="0">
+              <a:solidFill>
+                <a:srgbClr val="660033"/>
+              </a:solidFill>
+              <a:effectLst/>
+            </a:endParaRPr>
+          </a:p>
+        </p:txBody>
+      </p:sp>
+    </p:spTree>
+    <p:extLst>
+      <p:ext uri="{BB962C8B-B14F-4D97-AF65-F5344CB8AC3E}">
+        <p14:creationId xmlns:p14="http://schemas.microsoft.com/office/powerpoint/2010/main" val="2432770122"/>
+      </p:ext>
+    </p:extLst>
+  </p:cSld>
+  <p:clrMapOvr>
+    <a:masterClrMapping/>
+  </p:clrMapOvr>
+  <p:timing>
+    <p:tnLst>
+      <p:par>
+        <p:cTn id="1" dur="indefinite" restart="never" nodeType="tmRoot"/>
+      </p:par>
+    </p:tnLst>
+  </p:timing>
+</p:sld>
+</file>
+
+<file path=ppt/slides/slide8.xml><?xml version="1.0" encoding="utf-8"?>
+<p:sld xmlns:a="http://schemas.openxmlformats.org/drawingml/2006/main" xmlns:r="http://schemas.openxmlformats.org/officeDocument/2006/relationships" xmlns:p="http://schemas.openxmlformats.org/presentationml/2006/main">
+  <p:cSld>
+    <p:spTree>
+      <p:nvGrpSpPr>
+        <p:cNvPr id="1" name=""/>
+        <p:cNvGrpSpPr/>
+        <p:nvPr/>
+      </p:nvGrpSpPr>
+      <p:grpSpPr>
+        <a:xfrm>
+          <a:off x="0" y="0"/>
+          <a:ext cx="0" cy="0"/>
+          <a:chOff x="0" y="0"/>
+          <a:chExt cx="0" cy="0"/>
+        </a:xfrm>
+      </p:grpSpPr>
+      <p:sp>
+        <p:nvSpPr>
+          <p:cNvPr id="5" name="內容版面配置區 4"/>
+          <p:cNvSpPr>
+            <a:spLocks noGrp="1"/>
+          </p:cNvSpPr>
+          <p:nvPr>
+            <p:ph idx="1"/>
+          </p:nvPr>
+        </p:nvSpPr>
+        <p:spPr>
+          <a:xfrm>
+            <a:off x="0" y="2084853"/>
+            <a:ext cx="12192000" cy="2404863"/>
+          </a:xfrm>
+        </p:spPr>
+        <p:txBody>
+          <a:bodyPr anchor="ctr">
+            <a:normAutofit/>
+          </a:bodyPr>
+          <a:lstStyle/>
+          <a:p>
+            <a:pPr algn="ctr">
+              <a:buNone/>
+            </a:pPr>
+            <a:r>
+              <a:rPr lang="zh-TW" altLang="en-US" sz="6400" b="1" dirty="0">
+                <a:solidFill>
+                  <a:srgbClr val="660033"/>
+                </a:solidFill>
+                <a:latin typeface="微軟正黑體" pitchFamily="34" charset="-120"/>
+                <a:ea typeface="微軟正黑體" pitchFamily="34" charset="-120"/>
+              </a:rPr>
+              <a:t>盡忠盡忠為耶穌</a:t>
+            </a:r>
+            <a:r>
+              <a:rPr lang="en-US" altLang="zh-TW" sz="6400" b="1" dirty="0">
+                <a:solidFill>
+                  <a:srgbClr val="660033"/>
+                </a:solidFill>
+                <a:latin typeface="微軟正黑體" pitchFamily="34" charset="-120"/>
+                <a:ea typeface="微軟正黑體" pitchFamily="34" charset="-120"/>
+              </a:rPr>
+              <a:t>   </a:t>
+            </a:r>
+            <a:r>
+              <a:rPr lang="zh-TW" altLang="en-US" sz="6400" b="1" dirty="0">
+                <a:solidFill>
+                  <a:srgbClr val="660033"/>
+                </a:solidFill>
+                <a:latin typeface="微軟正黑體" pitchFamily="34" charset="-120"/>
+                <a:ea typeface="微軟正黑體" pitchFamily="34" charset="-120"/>
+              </a:rPr>
+              <a:t>交戰時日無多</a:t>
+            </a:r>
+            <a:endParaRPr lang="en-US" altLang="zh-TW" sz="6400" b="1" dirty="0">
+              <a:solidFill>
+                <a:srgbClr val="660033"/>
+              </a:solidFill>
+              <a:latin typeface="微軟正黑體" pitchFamily="34" charset="-120"/>
+              <a:ea typeface="微軟正黑體" pitchFamily="34" charset="-120"/>
+            </a:endParaRPr>
+          </a:p>
+          <a:p>
+            <a:pPr algn="ctr">
+              <a:buNone/>
+            </a:pPr>
+            <a:r>
+              <a:rPr lang="zh-TW" altLang="en-US" sz="6400" b="1" dirty="0">
+                <a:solidFill>
+                  <a:srgbClr val="660033"/>
+                </a:solidFill>
+                <a:latin typeface="微軟正黑體" pitchFamily="34" charset="-120"/>
+                <a:ea typeface="微軟正黑體" pitchFamily="34" charset="-120"/>
+              </a:rPr>
+              <a:t>今日雖聞干戈聲</a:t>
+            </a:r>
+            <a:r>
+              <a:rPr lang="en-US" altLang="zh-TW" sz="6400" b="1" dirty="0">
+                <a:solidFill>
+                  <a:srgbClr val="660033"/>
+                </a:solidFill>
+                <a:latin typeface="微軟正黑體" pitchFamily="34" charset="-120"/>
+                <a:ea typeface="微軟正黑體" pitchFamily="34" charset="-120"/>
+              </a:rPr>
+              <a:t>   </a:t>
+            </a:r>
+            <a:r>
+              <a:rPr lang="zh-TW" altLang="en-US" sz="6400" b="1" dirty="0">
+                <a:solidFill>
+                  <a:srgbClr val="660033"/>
+                </a:solidFill>
+                <a:latin typeface="微軟正黑體" pitchFamily="34" charset="-120"/>
+                <a:ea typeface="微軟正黑體" pitchFamily="34" charset="-120"/>
+              </a:rPr>
+              <a:t>明日即奏凱歌</a:t>
+            </a:r>
+            <a:endParaRPr lang="en-US" altLang="zh-TW" sz="6400" b="1" dirty="0">
+              <a:solidFill>
+                <a:srgbClr val="660033"/>
+              </a:solidFill>
+              <a:latin typeface="微軟正黑體" pitchFamily="34" charset="-120"/>
+              <a:ea typeface="微軟正黑體" pitchFamily="34" charset="-120"/>
+            </a:endParaRPr>
+          </a:p>
+        </p:txBody>
+      </p:sp>
+      <p:sp>
+        <p:nvSpPr>
+          <p:cNvPr id="4" name="TextBox 3"/>
+          <p:cNvSpPr txBox="1"/>
+          <p:nvPr/>
+        </p:nvSpPr>
+        <p:spPr>
+          <a:xfrm>
+            <a:off x="-11404" y="5229201"/>
+            <a:ext cx="12202941" cy="830997"/>
+          </a:xfrm>
+          <a:prstGeom prst="rect">
+            <a:avLst/>
+          </a:prstGeom>
+          <a:noFill/>
+        </p:spPr>
+        <p:txBody>
+          <a:bodyPr wrap="square" rtlCol="0" anchor="ctr">
+            <a:spAutoFit/>
+          </a:bodyPr>
+          <a:lstStyle/>
+          <a:p>
+            <a:pPr algn="ctr"/>
+            <a:r>
+              <a:rPr lang="en-US" sz="4800" b="1" dirty="0">
+                <a:solidFill>
+                  <a:srgbClr val="660033"/>
+                </a:solidFill>
+                <a:effectLst/>
+              </a:rPr>
+              <a:t>( </a:t>
+            </a:r>
+            <a:r>
+              <a:rPr lang="en-US" sz="4800" b="1" dirty="0">
+                <a:solidFill>
+                  <a:srgbClr val="660033"/>
+                </a:solidFill>
+                <a:effectLst/>
+              </a:rPr>
+              <a:t>4 / 4 </a:t>
+            </a:r>
+            <a:r>
+              <a:rPr lang="en-US" sz="4800" b="1" dirty="0">
+                <a:solidFill>
+                  <a:srgbClr val="660033"/>
+                </a:solidFill>
+                <a:effectLst/>
+              </a:rPr>
+              <a:t>)</a:t>
+            </a:r>
+            <a:endParaRPr lang="vi-VN" sz="4800" b="1" dirty="0">
+              <a:solidFill>
+                <a:srgbClr val="660033"/>
+              </a:solidFill>
+              <a:effectLst/>
+            </a:endParaRPr>
+          </a:p>
+        </p:txBody>
+      </p:sp>
+    </p:spTree>
+    <p:extLst>
+      <p:ext uri="{BB962C8B-B14F-4D97-AF65-F5344CB8AC3E}">
+        <p14:creationId xmlns:p14="http://schemas.microsoft.com/office/powerpoint/2010/main" val="2414415420"/>
+      </p:ext>
+    </p:extLst>
+  </p:cSld>
+  <p:clrMapOvr>
+    <a:masterClrMapping/>
+  </p:clrMapOvr>
+  <p:timing>
+    <p:tnLst>
+      <p:par>
+        <p:cTn id="1" dur="indefinite" restart="never" nodeType="tmRoot"/>
+      </p:par>
+    </p:tnLst>
+  </p:timing>
+</p:sld>
+</file>
+
+<file path=ppt/slides/slide9.xml><?xml version="1.0" encoding="utf-8"?>
+<p:sld xmlns:a="http://schemas.openxmlformats.org/drawingml/2006/main" xmlns:r="http://schemas.openxmlformats.org/officeDocument/2006/relationships" xmlns:p="http://schemas.openxmlformats.org/presentationml/2006/main">
+  <p:cSld>
+    <p:spTree>
+      <p:nvGrpSpPr>
+        <p:cNvPr id="1" name=""/>
+        <p:cNvGrpSpPr/>
+        <p:nvPr/>
+      </p:nvGrpSpPr>
+      <p:grpSpPr>
+        <a:xfrm>
+          <a:off x="0" y="0"/>
+          <a:ext cx="0" cy="0"/>
+          <a:chOff x="0" y="0"/>
+          <a:chExt cx="0" cy="0"/>
+        </a:xfrm>
+      </p:grpSpPr>
+      <p:sp>
+        <p:nvSpPr>
+          <p:cNvPr id="5" name="內容版面配置區 4"/>
+          <p:cNvSpPr>
+            <a:spLocks noGrp="1"/>
+          </p:cNvSpPr>
+          <p:nvPr>
+            <p:ph idx="1"/>
+          </p:nvPr>
+        </p:nvSpPr>
+        <p:spPr>
+          <a:xfrm>
+            <a:off x="0" y="2084853"/>
+            <a:ext cx="12192000" cy="2404863"/>
+          </a:xfrm>
+        </p:spPr>
+        <p:txBody>
+          <a:bodyPr anchor="ctr">
+            <a:normAutofit/>
+          </a:bodyPr>
+          <a:lstStyle/>
+          <a:p>
+            <a:pPr algn="ctr">
+              <a:buNone/>
+            </a:pPr>
+            <a:r>
+              <a:rPr lang="zh-TW" altLang="en-US" sz="6400" b="1" dirty="0">
+                <a:solidFill>
+                  <a:srgbClr val="660033"/>
+                </a:solidFill>
+                <a:latin typeface="微軟正黑體" pitchFamily="34" charset="-120"/>
+                <a:ea typeface="微軟正黑體" pitchFamily="34" charset="-120"/>
+              </a:rPr>
+              <a:t>凡為出力得勝者</a:t>
+            </a:r>
+            <a:r>
+              <a:rPr lang="en-US" altLang="zh-TW" sz="6400" b="1" dirty="0">
+                <a:solidFill>
+                  <a:srgbClr val="660033"/>
+                </a:solidFill>
+                <a:latin typeface="微軟正黑體" pitchFamily="34" charset="-120"/>
+                <a:ea typeface="微軟正黑體" pitchFamily="34" charset="-120"/>
+              </a:rPr>
+              <a:t>   </a:t>
+            </a:r>
+            <a:r>
+              <a:rPr lang="zh-TW" altLang="en-US" sz="6400" b="1" dirty="0">
+                <a:solidFill>
+                  <a:srgbClr val="660033"/>
+                </a:solidFill>
+                <a:latin typeface="微軟正黑體" pitchFamily="34" charset="-120"/>
+                <a:ea typeface="微軟正黑體" pitchFamily="34" charset="-120"/>
+              </a:rPr>
+              <a:t>必得生命冠冕</a:t>
+            </a:r>
+            <a:endParaRPr lang="en-US" altLang="zh-TW" sz="6400" b="1" dirty="0">
+              <a:solidFill>
+                <a:srgbClr val="660033"/>
+              </a:solidFill>
+              <a:latin typeface="微軟正黑體" pitchFamily="34" charset="-120"/>
+              <a:ea typeface="微軟正黑體" pitchFamily="34" charset="-120"/>
+            </a:endParaRPr>
+          </a:p>
+          <a:p>
+            <a:pPr algn="ctr">
+              <a:buNone/>
+            </a:pPr>
+            <a:r>
+              <a:rPr lang="zh-TW" altLang="en-US" sz="6400" b="1" dirty="0">
+                <a:solidFill>
+                  <a:srgbClr val="660033"/>
+                </a:solidFill>
+                <a:latin typeface="微軟正黑體" pitchFamily="34" charset="-120"/>
+                <a:ea typeface="微軟正黑體" pitchFamily="34" charset="-120"/>
+              </a:rPr>
+              <a:t>必與榮耀至聖王</a:t>
+            </a:r>
+            <a:r>
+              <a:rPr lang="en-US" altLang="zh-TW" sz="6400" b="1" dirty="0">
+                <a:solidFill>
+                  <a:srgbClr val="660033"/>
+                </a:solidFill>
+                <a:latin typeface="微軟正黑體" pitchFamily="34" charset="-120"/>
+                <a:ea typeface="微軟正黑體" pitchFamily="34" charset="-120"/>
+              </a:rPr>
+              <a:t>   </a:t>
+            </a:r>
+            <a:r>
+              <a:rPr lang="zh-TW" altLang="en-US" sz="6400" b="1" dirty="0">
+                <a:solidFill>
+                  <a:srgbClr val="660033"/>
+                </a:solidFill>
+                <a:latin typeface="微軟正黑體" pitchFamily="34" charset="-120"/>
+                <a:ea typeface="微軟正黑體" pitchFamily="34" charset="-120"/>
+              </a:rPr>
+              <a:t>永遠同操王權</a:t>
+            </a:r>
+            <a:endParaRPr lang="zh-TW" altLang="en-US" sz="6400" b="1" dirty="0">
+              <a:solidFill>
+                <a:srgbClr val="660033"/>
+              </a:solidFill>
+              <a:latin typeface="微軟正黑體" pitchFamily="34" charset="-120"/>
+              <a:ea typeface="微軟正黑體" pitchFamily="34" charset="-120"/>
+            </a:endParaRPr>
+          </a:p>
+        </p:txBody>
+      </p:sp>
+      <p:sp>
+        <p:nvSpPr>
+          <p:cNvPr id="4" name="TextBox 3"/>
+          <p:cNvSpPr txBox="1"/>
+          <p:nvPr/>
+        </p:nvSpPr>
+        <p:spPr>
+          <a:xfrm>
+            <a:off x="-11404" y="5229201"/>
+            <a:ext cx="12202941" cy="830997"/>
+          </a:xfrm>
+          <a:prstGeom prst="rect">
+            <a:avLst/>
+          </a:prstGeom>
+          <a:noFill/>
+        </p:spPr>
+        <p:txBody>
+          <a:bodyPr wrap="square" rtlCol="0" anchor="ctr">
+            <a:spAutoFit/>
+          </a:bodyPr>
+          <a:lstStyle/>
+          <a:p>
+            <a:pPr algn="ctr"/>
+            <a:r>
+              <a:rPr lang="en-US" sz="4800" b="1" dirty="0">
+                <a:solidFill>
+                  <a:srgbClr val="660033"/>
+                </a:solidFill>
+                <a:effectLst/>
+              </a:rPr>
+              <a:t>( </a:t>
+            </a:r>
+            <a:r>
+              <a:rPr lang="en-US" sz="4800" b="1" dirty="0">
+                <a:solidFill>
+                  <a:srgbClr val="660033"/>
+                </a:solidFill>
+                <a:effectLst/>
+              </a:rPr>
+              <a:t>4 / 4 </a:t>
+            </a:r>
+            <a:r>
+              <a:rPr lang="en-US" sz="4800" b="1" dirty="0">
+                <a:solidFill>
+                  <a:srgbClr val="660033"/>
+                </a:solidFill>
+                <a:effectLst/>
+              </a:rPr>
+              <a:t>)</a:t>
+            </a:r>
+            <a:endParaRPr lang="vi-VN" sz="4800" b="1" dirty="0">
+              <a:solidFill>
+                <a:srgbClr val="660033"/>
+              </a:solidFill>
+              <a:effectLst/>
+            </a:endParaRPr>
+          </a:p>
+        </p:txBody>
+      </p:sp>
+    </p:spTree>
+    <p:extLst>
+      <p:ext uri="{BB962C8B-B14F-4D97-AF65-F5344CB8AC3E}">
+        <p14:creationId xmlns:p14="http://schemas.microsoft.com/office/powerpoint/2010/main" val="1251476961"/>
+      </p:ext>
+    </p:extLst>
+  </p:cSld>
+  <p:clrMapOvr>
+    <a:masterClrMapping/>
+  </p:clrMapOvr>
+  <p:timing>
+    <p:tnLst>
+      <p:par>
+        <p:cTn id="1" dur="indefinite" restart="never" nodeType="tmRoot"/>
+      </p:par>
+    </p:tnLst>
+  </p:timing>
 </p:sld>
 </file>
 
